--- a/slides/Cluster validation.pptx
+++ b/slides/Cluster validation.pptx
@@ -26,14 +26,14 @@
     <p:sldId id="301" r:id="rId17"/>
     <p:sldId id="302" r:id="rId18"/>
     <p:sldId id="305" r:id="rId19"/>
-    <p:sldId id="303" r:id="rId20"/>
-    <p:sldId id="304" r:id="rId21"/>
-    <p:sldId id="306" r:id="rId22"/>
-    <p:sldId id="307" r:id="rId23"/>
-    <p:sldId id="308" r:id="rId24"/>
-    <p:sldId id="309" r:id="rId25"/>
-    <p:sldId id="310" r:id="rId26"/>
-    <p:sldId id="311" r:id="rId27"/>
+    <p:sldId id="308" r:id="rId20"/>
+    <p:sldId id="309" r:id="rId21"/>
+    <p:sldId id="310" r:id="rId22"/>
+    <p:sldId id="311" r:id="rId23"/>
+    <p:sldId id="303" r:id="rId24"/>
+    <p:sldId id="304" r:id="rId25"/>
+    <p:sldId id="306" r:id="rId26"/>
+    <p:sldId id="307" r:id="rId27"/>
     <p:sldId id="299" r:id="rId28"/>
   </p:sldIdLst>
   <p:sldSz cx="9144000" cy="5143500" type="screen16x9"/>
@@ -2218,7 +2218,7 @@
     </p:spTree>
     <p:extLst>
       <p:ext uri="{BB962C8B-B14F-4D97-AF65-F5344CB8AC3E}">
-        <p14:creationId xmlns:p14="http://schemas.microsoft.com/office/powerpoint/2010/main" val="1123953982"/>
+        <p14:creationId xmlns:p14="http://schemas.microsoft.com/office/powerpoint/2010/main" val="1635671853"/>
       </p:ext>
     </p:extLst>
   </p:cSld>
@@ -2508,7 +2508,7 @@
     </p:spTree>
     <p:extLst>
       <p:ext uri="{BB962C8B-B14F-4D97-AF65-F5344CB8AC3E}">
-        <p14:creationId xmlns:p14="http://schemas.microsoft.com/office/powerpoint/2010/main" val="1558930207"/>
+        <p14:creationId xmlns:p14="http://schemas.microsoft.com/office/powerpoint/2010/main" val="1707998925"/>
       </p:ext>
     </p:extLst>
   </p:cSld>
@@ -2697,7 +2697,7 @@
     </p:spTree>
     <p:extLst>
       <p:ext uri="{BB962C8B-B14F-4D97-AF65-F5344CB8AC3E}">
-        <p14:creationId xmlns:p14="http://schemas.microsoft.com/office/powerpoint/2010/main" val="933256082"/>
+        <p14:creationId xmlns:p14="http://schemas.microsoft.com/office/powerpoint/2010/main" val="2089317321"/>
       </p:ext>
     </p:extLst>
   </p:cSld>
@@ -2886,7 +2886,7 @@
     </p:spTree>
     <p:extLst>
       <p:ext uri="{BB962C8B-B14F-4D97-AF65-F5344CB8AC3E}">
-        <p14:creationId xmlns:p14="http://schemas.microsoft.com/office/powerpoint/2010/main" val="1320984642"/>
+        <p14:creationId xmlns:p14="http://schemas.microsoft.com/office/powerpoint/2010/main" val="1995678689"/>
       </p:ext>
     </p:extLst>
   </p:cSld>
@@ -2992,7 +2992,7 @@
     </p:spTree>
     <p:extLst>
       <p:ext uri="{BB962C8B-B14F-4D97-AF65-F5344CB8AC3E}">
-        <p14:creationId xmlns:p14="http://schemas.microsoft.com/office/powerpoint/2010/main" val="1635671853"/>
+        <p14:creationId xmlns:p14="http://schemas.microsoft.com/office/powerpoint/2010/main" val="1123953982"/>
       </p:ext>
     </p:extLst>
   </p:cSld>
@@ -3181,7 +3181,7 @@
     </p:spTree>
     <p:extLst>
       <p:ext uri="{BB962C8B-B14F-4D97-AF65-F5344CB8AC3E}">
-        <p14:creationId xmlns:p14="http://schemas.microsoft.com/office/powerpoint/2010/main" val="1707998925"/>
+        <p14:creationId xmlns:p14="http://schemas.microsoft.com/office/powerpoint/2010/main" val="1558930207"/>
       </p:ext>
     </p:extLst>
   </p:cSld>
@@ -3370,7 +3370,7 @@
     </p:spTree>
     <p:extLst>
       <p:ext uri="{BB962C8B-B14F-4D97-AF65-F5344CB8AC3E}">
-        <p14:creationId xmlns:p14="http://schemas.microsoft.com/office/powerpoint/2010/main" val="2089317321"/>
+        <p14:creationId xmlns:p14="http://schemas.microsoft.com/office/powerpoint/2010/main" val="933256082"/>
       </p:ext>
     </p:extLst>
   </p:cSld>
@@ -3559,7 +3559,7 @@
     </p:spTree>
     <p:extLst>
       <p:ext uri="{BB962C8B-B14F-4D97-AF65-F5344CB8AC3E}">
-        <p14:creationId xmlns:p14="http://schemas.microsoft.com/office/powerpoint/2010/main" val="1995678689"/>
+        <p14:creationId xmlns:p14="http://schemas.microsoft.com/office/powerpoint/2010/main" val="1320984642"/>
       </p:ext>
     </p:extLst>
   </p:cSld>
@@ -16939,7 +16939,7 @@
               <a:buNone/>
             </a:pPr>
             <a:r>
-              <a:rPr lang="en-US" sz="2200">
+              <a:rPr lang="en-US" sz="2200" dirty="0">
                 <a:solidFill>
                   <a:srgbClr val="000000"/>
                 </a:solidFill>
@@ -16967,7 +16967,7 @@
               <a:buChar char="–"/>
             </a:pPr>
             <a:r>
-              <a:rPr lang="en-US" sz="1900" b="0" i="0" u="none" strike="noStrike" cap="none">
+              <a:rPr lang="en-US" sz="1900" b="0" i="0" u="none" strike="noStrike" cap="none" dirty="0" smtClean="0">
                 <a:solidFill>
                   <a:srgbClr val="000000"/>
                 </a:solidFill>
@@ -16976,7 +16976,19 @@
                 <a:cs typeface="Arial"/>
                 <a:sym typeface="Arial"/>
               </a:rPr>
-              <a:t>Customers that have a firewall or proxy</a:t>
+              <a:t>Firewall </a:t>
+            </a:r>
+            <a:r>
+              <a:rPr lang="en-US" sz="1900" b="0" i="0" u="none" strike="noStrike" cap="none" dirty="0">
+                <a:solidFill>
+                  <a:srgbClr val="000000"/>
+                </a:solidFill>
+                <a:latin typeface="Arial"/>
+                <a:ea typeface="Arial"/>
+                <a:cs typeface="Arial"/>
+                <a:sym typeface="Arial"/>
+              </a:rPr>
+              <a:t>or proxy</a:t>
             </a:r>
           </a:p>
           <a:p>
@@ -17004,7 +17016,31 @@
                 <a:cs typeface="Arial"/>
                 <a:sym typeface="Arial"/>
               </a:rPr>
-              <a:t>Ensure that the customer has a valid proxy server or firewall configuration were we can get out an install packages from repositories</a:t>
+              <a:t>Ensure </a:t>
+            </a:r>
+            <a:r>
+              <a:rPr lang="en-US" sz="1900" b="0" i="0" u="none" strike="noStrike" cap="none" smtClean="0">
+                <a:solidFill>
+                  <a:srgbClr val="000000"/>
+                </a:solidFill>
+                <a:latin typeface="Arial"/>
+                <a:ea typeface="Arial"/>
+                <a:cs typeface="Arial"/>
+                <a:sym typeface="Arial"/>
+              </a:rPr>
+              <a:t>valid </a:t>
+            </a:r>
+            <a:r>
+              <a:rPr lang="en-US" sz="1900" b="0" i="0" u="none" strike="noStrike" cap="none" dirty="0">
+                <a:solidFill>
+                  <a:srgbClr val="000000"/>
+                </a:solidFill>
+                <a:latin typeface="Arial"/>
+                <a:ea typeface="Arial"/>
+                <a:cs typeface="Arial"/>
+                <a:sym typeface="Arial"/>
+              </a:rPr>
+              <a:t>proxy server or firewall configuration were we can get out an install packages from repositories</a:t>
             </a:r>
           </a:p>
           <a:p>
@@ -17020,7 +17056,7 @@
               <a:buChar char="–"/>
             </a:pPr>
             <a:r>
-              <a:rPr lang="en-US" sz="1900" b="0" i="0" u="none" strike="noStrike" cap="none">
+              <a:rPr lang="en-US" sz="1900" b="0" i="0" u="none" strike="noStrike" cap="none" dirty="0" smtClean="0">
                 <a:solidFill>
                   <a:srgbClr val="000000"/>
                 </a:solidFill>
@@ -17029,7 +17065,43 @@
                 <a:cs typeface="Arial"/>
                 <a:sym typeface="Arial"/>
               </a:rPr>
-              <a:t>Some customers may be large enough to have their own RHEL Satellite servers (internal package manager servers).  We do have ways to work with these but will have to reach out to the MapR Field Engineering Team.</a:t>
+              <a:t>Sometimes RHEL </a:t>
+            </a:r>
+            <a:r>
+              <a:rPr lang="en-US" sz="1900" b="0" i="0" u="none" strike="noStrike" cap="none" dirty="0">
+                <a:solidFill>
+                  <a:srgbClr val="000000"/>
+                </a:solidFill>
+                <a:latin typeface="Arial"/>
+                <a:ea typeface="Arial"/>
+                <a:cs typeface="Arial"/>
+                <a:sym typeface="Arial"/>
+              </a:rPr>
+              <a:t>Satellite </a:t>
+            </a:r>
+            <a:r>
+              <a:rPr lang="en-US" sz="1900" b="0" i="0" u="none" strike="noStrike" cap="none" dirty="0" smtClean="0">
+                <a:solidFill>
+                  <a:srgbClr val="000000"/>
+                </a:solidFill>
+                <a:latin typeface="Arial"/>
+                <a:ea typeface="Arial"/>
+                <a:cs typeface="Arial"/>
+                <a:sym typeface="Arial"/>
+              </a:rPr>
+              <a:t>servers are used </a:t>
+            </a:r>
+            <a:r>
+              <a:rPr lang="en-US" sz="1900" b="0" i="0" u="none" strike="noStrike" cap="none" dirty="0">
+                <a:solidFill>
+                  <a:srgbClr val="000000"/>
+                </a:solidFill>
+                <a:latin typeface="Arial"/>
+                <a:ea typeface="Arial"/>
+                <a:cs typeface="Arial"/>
+                <a:sym typeface="Arial"/>
+              </a:rPr>
+              <a:t>(internal package manager servers).  </a:t>
             </a:r>
           </a:p>
         </p:txBody>
@@ -17158,7 +17230,7 @@
               <a:buChar char="•"/>
             </a:pPr>
             <a:r>
-              <a:rPr lang="en-US" sz="2200" b="0" i="0" u="none" strike="noStrike" cap="none">
+              <a:rPr lang="en-US" sz="2200" b="0" i="0" u="none" strike="noStrike" cap="none" dirty="0">
                 <a:solidFill>
                   <a:srgbClr val="000000"/>
                 </a:solidFill>
@@ -17186,7 +17258,7 @@
               <a:buChar char="–"/>
             </a:pPr>
             <a:r>
-              <a:rPr lang="en-US" sz="1900" b="0" i="0" u="none" strike="noStrike" cap="none">
+              <a:rPr lang="en-US" sz="1900" b="0" i="0" u="none" strike="noStrike" cap="none" dirty="0" err="1">
                 <a:solidFill>
                   <a:srgbClr val="000000"/>
                 </a:solidFill>
@@ -17195,8 +17267,41 @@
                 <a:cs typeface="Arial"/>
                 <a:sym typeface="Arial"/>
               </a:rPr>
-              <a:t>clush –ab /root/cluster-validation/pre-install/disk-test.sh</a:t>
-            </a:r>
+              <a:t>clush</a:t>
+            </a:r>
+            <a:r>
+              <a:rPr lang="en-US" sz="1900" b="0" i="0" u="none" strike="noStrike" cap="none" dirty="0">
+                <a:solidFill>
+                  <a:srgbClr val="000000"/>
+                </a:solidFill>
+                <a:latin typeface="Arial"/>
+                <a:ea typeface="Arial"/>
+                <a:cs typeface="Arial"/>
+                <a:sym typeface="Arial"/>
+              </a:rPr>
+              <a:t> –ab /root/cluster-validation/pre-install/disk-</a:t>
+            </a:r>
+            <a:r>
+              <a:rPr lang="en-US" sz="1900" b="0" i="0" u="none" strike="noStrike" cap="none" dirty="0" err="1">
+                <a:solidFill>
+                  <a:srgbClr val="000000"/>
+                </a:solidFill>
+                <a:latin typeface="Arial"/>
+                <a:ea typeface="Arial"/>
+                <a:cs typeface="Arial"/>
+                <a:sym typeface="Arial"/>
+              </a:rPr>
+              <a:t>test.sh</a:t>
+            </a:r>
+            <a:endParaRPr lang="en-US" sz="1900" b="0" i="0" u="none" strike="noStrike" cap="none" dirty="0">
+              <a:solidFill>
+                <a:srgbClr val="000000"/>
+              </a:solidFill>
+              <a:latin typeface="Arial"/>
+              <a:ea typeface="Arial"/>
+              <a:cs typeface="Arial"/>
+              <a:sym typeface="Arial"/>
+            </a:endParaRPr>
           </a:p>
           <a:p>
             <a:pPr marL="460375" marR="0" lvl="1" indent="-219075" algn="l" rtl="0">
@@ -17214,7 +17319,7 @@
               <a:buChar char="–"/>
             </a:pPr>
             <a:r>
-              <a:rPr lang="en-US" sz="1900" b="0" i="0" u="none" strike="noStrike" cap="none">
+              <a:rPr lang="en-US" sz="1900" b="0" i="0" u="none" strike="noStrike" cap="none" dirty="0" err="1">
                 <a:solidFill>
                   <a:srgbClr val="000000"/>
                 </a:solidFill>
@@ -17223,25 +17328,33 @@
                 <a:cs typeface="Arial"/>
                 <a:sym typeface="Arial"/>
               </a:rPr>
-              <a:t>clush -ab /root/cluster-validation/pre-install/summIOzone.sh</a:t>
-            </a:r>
-          </a:p>
-          <a:p>
-            <a:pPr marL="228600" marR="0" lvl="0" indent="-215900" algn="l" rtl="0">
-              <a:spcBef>
-                <a:spcPts val="440"/>
-              </a:spcBef>
-              <a:spcAft>
-                <a:spcPts val="0"/>
-              </a:spcAft>
-              <a:buClr>
-                <a:srgbClr val="000000"/>
-              </a:buClr>
-              <a:buSzPct val="100000"/>
-              <a:buFont typeface="Arial"/>
-              <a:buNone/>
-            </a:pPr>
-            <a:endParaRPr sz="2200" b="0" i="0" u="none" strike="noStrike" cap="none">
+              <a:t>clush</a:t>
+            </a:r>
+            <a:r>
+              <a:rPr lang="en-US" sz="1900" b="0" i="0" u="none" strike="noStrike" cap="none" dirty="0">
+                <a:solidFill>
+                  <a:srgbClr val="000000"/>
+                </a:solidFill>
+                <a:latin typeface="Arial"/>
+                <a:ea typeface="Arial"/>
+                <a:cs typeface="Arial"/>
+                <a:sym typeface="Arial"/>
+              </a:rPr>
+              <a:t> -ab /root/cluster-validation/pre-install/</a:t>
+            </a:r>
+            <a:r>
+              <a:rPr lang="en-US" sz="1900" b="0" i="0" u="none" strike="noStrike" cap="none" dirty="0" err="1">
+                <a:solidFill>
+                  <a:srgbClr val="000000"/>
+                </a:solidFill>
+                <a:latin typeface="Arial"/>
+                <a:ea typeface="Arial"/>
+                <a:cs typeface="Arial"/>
+                <a:sym typeface="Arial"/>
+              </a:rPr>
+              <a:t>summIOzone.sh</a:t>
+            </a:r>
+            <a:endParaRPr lang="en-US" sz="1900" b="0" i="0" u="none" strike="noStrike" cap="none" dirty="0">
               <a:solidFill>
                 <a:srgbClr val="000000"/>
               </a:solidFill>
@@ -17256,6 +17369,31 @@
               <a:spcBef>
                 <a:spcPts val="440"/>
               </a:spcBef>
+              <a:spcAft>
+                <a:spcPts val="0"/>
+              </a:spcAft>
+              <a:buClr>
+                <a:srgbClr val="000000"/>
+              </a:buClr>
+              <a:buSzPct val="100000"/>
+              <a:buFont typeface="Arial"/>
+              <a:buNone/>
+            </a:pPr>
+            <a:endParaRPr sz="2200" b="0" i="0" u="none" strike="noStrike" cap="none" dirty="0">
+              <a:solidFill>
+                <a:srgbClr val="000000"/>
+              </a:solidFill>
+              <a:latin typeface="Arial"/>
+              <a:ea typeface="Arial"/>
+              <a:cs typeface="Arial"/>
+              <a:sym typeface="Arial"/>
+            </a:endParaRPr>
+          </a:p>
+          <a:p>
+            <a:pPr marL="228600" marR="0" lvl="0" indent="-215900" algn="l" rtl="0">
+              <a:spcBef>
+                <a:spcPts val="440"/>
+              </a:spcBef>
               <a:buClr>
                 <a:srgbClr val="000000"/>
               </a:buClr>
@@ -17264,7 +17402,7 @@
               <a:buChar char="•"/>
             </a:pPr>
             <a:r>
-              <a:rPr lang="en-US" sz="2200" b="0" i="0" u="none" strike="noStrike" cap="none">
+              <a:rPr lang="en-US" sz="2200" b="0" i="0" u="none" strike="noStrike" cap="none" dirty="0">
                 <a:solidFill>
                   <a:srgbClr val="000000"/>
                 </a:solidFill>
@@ -17273,7 +17411,31 @@
                 <a:cs typeface="Arial"/>
                 <a:sym typeface="Arial"/>
               </a:rPr>
-              <a:t>Current generation (2012+) 7200 rpm SATA drives can produce 100-145 MB/sec sequential read and write performance.</a:t>
+              <a:t>Current generation (2012+) 7200 rpm SATA drives can produce </a:t>
+            </a:r>
+            <a:r>
+              <a:rPr lang="en-US" sz="2200" b="0" i="0" u="none" strike="noStrike" cap="none" dirty="0" smtClean="0">
+                <a:solidFill>
+                  <a:srgbClr val="000000"/>
+                </a:solidFill>
+                <a:latin typeface="Arial"/>
+                <a:ea typeface="Arial"/>
+                <a:cs typeface="Arial"/>
+                <a:sym typeface="Arial"/>
+              </a:rPr>
+              <a:t>100-145 </a:t>
+            </a:r>
+            <a:r>
+              <a:rPr lang="en-US" sz="2200" b="0" i="0" u="none" strike="noStrike" cap="none" dirty="0">
+                <a:solidFill>
+                  <a:srgbClr val="000000"/>
+                </a:solidFill>
+                <a:latin typeface="Arial"/>
+                <a:ea typeface="Arial"/>
+                <a:cs typeface="Arial"/>
+                <a:sym typeface="Arial"/>
+              </a:rPr>
+              <a:t>MB/sec sequential read and write performance.</a:t>
             </a:r>
           </a:p>
         </p:txBody>
@@ -20931,7 +21093,7 @@
                 <a:cs typeface="Arial"/>
                 <a:sym typeface="Arial"/>
               </a:rPr>
-              <a:t>GUTS</a:t>
+              <a:t>YARN Log aggregation</a:t>
             </a:r>
             <a:endParaRPr lang="en-US" sz="3000" b="0" i="0" u="none" strike="noStrike" cap="none" dirty="0">
               <a:solidFill>
@@ -20948,7 +21110,7 @@
     </p:spTree>
     <p:extLst>
       <p:ext uri="{BB962C8B-B14F-4D97-AF65-F5344CB8AC3E}">
-        <p14:creationId xmlns:p14="http://schemas.microsoft.com/office/powerpoint/2010/main" val="545147212"/>
+        <p14:creationId xmlns:p14="http://schemas.microsoft.com/office/powerpoint/2010/main" val="1785727354"/>
       </p:ext>
     </p:extLst>
   </p:cSld>
@@ -21187,7 +21349,31 @@
                 <a:cs typeface="Arial"/>
                 <a:sym typeface="Arial"/>
               </a:rPr>
-              <a:t>When should you do you use it?</a:t>
+              <a:t>When should you </a:t>
+            </a:r>
+            <a:r>
+              <a:rPr lang="en-US" sz="2000" b="0" i="0" u="none" strike="noStrike" cap="none" dirty="0" smtClean="0">
+                <a:solidFill>
+                  <a:srgbClr val="000000"/>
+                </a:solidFill>
+                <a:latin typeface="Arial"/>
+                <a:ea typeface="Arial"/>
+                <a:cs typeface="Arial"/>
+                <a:sym typeface="Arial"/>
+              </a:rPr>
+              <a:t>use </a:t>
+            </a:r>
+            <a:r>
+              <a:rPr lang="en-US" sz="2000" b="0" i="0" u="none" strike="noStrike" cap="none" dirty="0">
+                <a:solidFill>
+                  <a:srgbClr val="000000"/>
+                </a:solidFill>
+                <a:latin typeface="Arial"/>
+                <a:ea typeface="Arial"/>
+                <a:cs typeface="Arial"/>
+                <a:sym typeface="Arial"/>
+              </a:rPr>
+              <a:t>it?</a:t>
             </a:r>
           </a:p>
           <a:p>
@@ -21366,11 +21552,7 @@
             </a:pPr>
             <a:r>
               <a:rPr lang="en-US" sz="2400" dirty="0" smtClean="0"/>
-              <a:t>Log </a:t>
-            </a:r>
-            <a:r>
-              <a:rPr lang="en-US" sz="2400" dirty="0" smtClean="0"/>
-              <a:t>aggregation</a:t>
+              <a:t>Log aggregation</a:t>
             </a:r>
             <a:endParaRPr lang="en-US" sz="2400" b="0" i="0" u="none" strike="noStrike" cap="none" dirty="0" smtClean="0">
               <a:solidFill>
@@ -21456,7 +21638,7 @@
                 <a:cs typeface="Arial"/>
                 <a:sym typeface="Arial"/>
               </a:rPr>
-              <a:t>GUTS tool</a:t>
+              <a:t>YARN Log aggregation</a:t>
             </a:r>
             <a:endParaRPr lang="en-US" sz="2800" b="1" i="0" u="none" strike="noStrike" cap="none" dirty="0">
               <a:solidFill>
@@ -21483,6 +21665,908 @@
         <p:spPr>
           <a:xfrm>
             <a:off x="304800" y="907864"/>
+            <a:ext cx="8407468" cy="3233830"/>
+          </a:xfrm>
+          <a:prstGeom prst="rect">
+            <a:avLst/>
+          </a:prstGeom>
+          <a:noFill/>
+          <a:ln>
+            <a:noFill/>
+          </a:ln>
+        </p:spPr>
+        <p:txBody>
+          <a:bodyPr wrap="square" lIns="95075" tIns="47525" rIns="95075" bIns="47525" anchor="t" anchorCtr="0">
+            <a:noAutofit/>
+          </a:bodyPr>
+          <a:lstStyle/>
+          <a:p>
+            <a:pPr marL="152400" indent="0">
+              <a:buNone/>
+            </a:pPr>
+            <a:r>
+              <a:rPr lang="en-US" dirty="0"/>
+              <a:t>The YARN Log Aggregation option aggregates and moves log files for completed applications from the local file system to the </a:t>
+            </a:r>
+            <a:r>
+              <a:rPr lang="en-US" dirty="0" err="1"/>
+              <a:t>MapR</a:t>
+            </a:r>
+            <a:r>
+              <a:rPr lang="en-US" dirty="0"/>
+              <a:t>-FS. This allows users to view the entire set of logs for a particular application using the </a:t>
+            </a:r>
+            <a:r>
+              <a:rPr lang="en-US" dirty="0" err="1"/>
+              <a:t>HistoryServer</a:t>
+            </a:r>
+            <a:r>
+              <a:rPr lang="en-US" dirty="0"/>
+              <a:t> UI or by running the yarn logs command</a:t>
+            </a:r>
+            <a:r>
+              <a:rPr lang="en-US" dirty="0" smtClean="0"/>
+              <a:t>.</a:t>
+            </a:r>
+          </a:p>
+          <a:p>
+            <a:pPr marL="152400" indent="0">
+              <a:buNone/>
+            </a:pPr>
+            <a:endParaRPr lang="en-US" sz="1900" b="0" i="0" u="none" strike="noStrike" cap="none" dirty="0">
+              <a:solidFill>
+                <a:srgbClr val="000000"/>
+              </a:solidFill>
+              <a:latin typeface="Arial"/>
+              <a:ea typeface="Arial"/>
+              <a:cs typeface="Arial"/>
+              <a:sym typeface="Arial"/>
+            </a:endParaRPr>
+          </a:p>
+          <a:p>
+            <a:pPr marL="152400" indent="0">
+              <a:buNone/>
+            </a:pPr>
+            <a:r>
+              <a:rPr lang="en-US" sz="2000" dirty="0"/>
+              <a:t>By default, YARN container logs are not aggregated on the </a:t>
+            </a:r>
+            <a:r>
+              <a:rPr lang="en-US" sz="2000" dirty="0" err="1"/>
+              <a:t>MapR</a:t>
+            </a:r>
+            <a:r>
+              <a:rPr lang="en-US" sz="2000" dirty="0"/>
+              <a:t>-FS. Instead, the logs are retained for 3 hours on the local file system before they are deleted.</a:t>
+            </a:r>
+            <a:endParaRPr sz="1900" b="0" i="0" u="none" strike="noStrike" cap="none" dirty="0">
+              <a:solidFill>
+                <a:srgbClr val="000000"/>
+              </a:solidFill>
+              <a:latin typeface="Arial"/>
+              <a:ea typeface="Arial"/>
+              <a:cs typeface="Arial"/>
+              <a:sym typeface="Arial"/>
+            </a:endParaRPr>
+          </a:p>
+        </p:txBody>
+      </p:sp>
+    </p:spTree>
+    <p:extLst>
+      <p:ext uri="{BB962C8B-B14F-4D97-AF65-F5344CB8AC3E}">
+        <p14:creationId xmlns:p14="http://schemas.microsoft.com/office/powerpoint/2010/main" val="35494792"/>
+      </p:ext>
+    </p:extLst>
+  </p:cSld>
+  <p:clrMapOvr>
+    <a:masterClrMapping/>
+  </p:clrMapOvr>
+</p:sld>
+</file>
+
+<file path=ppt/slides/slide21.xml><?xml version="1.0" encoding="utf-8"?>
+<p:sld xmlns:a="http://schemas.openxmlformats.org/drawingml/2006/main" xmlns:r="http://schemas.openxmlformats.org/officeDocument/2006/relationships" xmlns:p="http://schemas.openxmlformats.org/presentationml/2006/main">
+  <p:cSld>
+    <p:spTree>
+      <p:nvGrpSpPr>
+        <p:cNvPr id="1" name="Shape 597"/>
+        <p:cNvGrpSpPr/>
+        <p:nvPr/>
+      </p:nvGrpSpPr>
+      <p:grpSpPr>
+        <a:xfrm>
+          <a:off x="0" y="0"/>
+          <a:ext cx="0" cy="0"/>
+          <a:chOff x="0" y="0"/>
+          <a:chExt cx="0" cy="0"/>
+        </a:xfrm>
+      </p:grpSpPr>
+      <p:sp>
+        <p:nvSpPr>
+          <p:cNvPr id="598" name="Shape 598"/>
+          <p:cNvSpPr txBox="1">
+            <a:spLocks noGrp="1"/>
+          </p:cNvSpPr>
+          <p:nvPr>
+            <p:ph type="title"/>
+          </p:nvPr>
+        </p:nvSpPr>
+        <p:spPr>
+          <a:xfrm>
+            <a:off x="451868" y="215218"/>
+            <a:ext cx="8260400" cy="692646"/>
+          </a:xfrm>
+          <a:prstGeom prst="rect">
+            <a:avLst/>
+          </a:prstGeom>
+          <a:noFill/>
+          <a:ln>
+            <a:noFill/>
+          </a:ln>
+        </p:spPr>
+        <p:txBody>
+          <a:bodyPr wrap="square" lIns="95075" tIns="47525" rIns="95075" bIns="47525" anchor="ctr" anchorCtr="0">
+            <a:noAutofit/>
+          </a:bodyPr>
+          <a:lstStyle/>
+          <a:p>
+            <a:pPr marL="0" marR="0" lvl="0" indent="0" algn="l" rtl="0">
+              <a:spcBef>
+                <a:spcPts val="0"/>
+              </a:spcBef>
+              <a:buClr>
+                <a:schemeClr val="accent1"/>
+              </a:buClr>
+              <a:buSzPct val="25000"/>
+              <a:buFont typeface="Arial"/>
+              <a:buNone/>
+            </a:pPr>
+            <a:r>
+              <a:rPr lang="en-US" sz="2800" b="1" i="0" u="none" strike="noStrike" cap="none" dirty="0" smtClean="0">
+                <a:solidFill>
+                  <a:schemeClr val="accent1"/>
+                </a:solidFill>
+                <a:latin typeface="Arial"/>
+                <a:ea typeface="Arial"/>
+                <a:cs typeface="Arial"/>
+                <a:sym typeface="Arial"/>
+              </a:rPr>
+              <a:t>Enable YARN Log aggregation</a:t>
+            </a:r>
+            <a:endParaRPr lang="en-US" sz="2800" b="1" i="0" u="none" strike="noStrike" cap="none" dirty="0">
+              <a:solidFill>
+                <a:schemeClr val="accent1"/>
+              </a:solidFill>
+              <a:latin typeface="Arial"/>
+              <a:ea typeface="Arial"/>
+              <a:cs typeface="Arial"/>
+              <a:sym typeface="Arial"/>
+            </a:endParaRPr>
+          </a:p>
+        </p:txBody>
+      </p:sp>
+      <p:sp>
+        <p:nvSpPr>
+          <p:cNvPr id="599" name="Shape 599"/>
+          <p:cNvSpPr txBox="1">
+            <a:spLocks noGrp="1"/>
+          </p:cNvSpPr>
+          <p:nvPr>
+            <p:ph type="body" idx="1"/>
+          </p:nvPr>
+        </p:nvSpPr>
+        <p:spPr>
+          <a:xfrm>
+            <a:off x="304800" y="907864"/>
+            <a:ext cx="8407468" cy="481665"/>
+          </a:xfrm>
+          <a:prstGeom prst="rect">
+            <a:avLst/>
+          </a:prstGeom>
+          <a:noFill/>
+          <a:ln>
+            <a:noFill/>
+          </a:ln>
+        </p:spPr>
+        <p:txBody>
+          <a:bodyPr wrap="square" lIns="95075" tIns="47525" rIns="95075" bIns="47525" anchor="t" anchorCtr="0">
+            <a:noAutofit/>
+          </a:bodyPr>
+          <a:lstStyle/>
+          <a:p>
+            <a:pPr marL="152400" indent="0">
+              <a:buNone/>
+            </a:pPr>
+            <a:r>
+              <a:rPr lang="en-US" sz="2000" dirty="0" smtClean="0"/>
+              <a:t>Add following to /opt/</a:t>
+            </a:r>
+            <a:r>
+              <a:rPr lang="en-US" sz="2000" dirty="0" err="1" smtClean="0"/>
+              <a:t>mapr</a:t>
+            </a:r>
+            <a:r>
+              <a:rPr lang="en-US" sz="2000" dirty="0" smtClean="0"/>
+              <a:t>/hadoop-2.7.o/</a:t>
+            </a:r>
+            <a:r>
+              <a:rPr lang="en-US" sz="2000" dirty="0" err="1" smtClean="0"/>
+              <a:t>etc</a:t>
+            </a:r>
+            <a:r>
+              <a:rPr lang="en-US" sz="2000" dirty="0" smtClean="0"/>
+              <a:t>/</a:t>
+            </a:r>
+            <a:r>
+              <a:rPr lang="en-US" sz="2000" dirty="0" err="1" smtClean="0"/>
+              <a:t>hadoop</a:t>
+            </a:r>
+            <a:r>
+              <a:rPr lang="en-US" sz="2000" dirty="0" smtClean="0"/>
+              <a:t>/yarn-</a:t>
+            </a:r>
+            <a:r>
+              <a:rPr lang="en-US" sz="2000" dirty="0" err="1" smtClean="0"/>
+              <a:t>site.xml</a:t>
+            </a:r>
+            <a:endParaRPr sz="2000" b="0" i="0" u="none" strike="noStrike" cap="none" dirty="0">
+              <a:solidFill>
+                <a:srgbClr val="000000"/>
+              </a:solidFill>
+              <a:sym typeface="Arial"/>
+            </a:endParaRPr>
+          </a:p>
+        </p:txBody>
+      </p:sp>
+      <p:sp>
+        <p:nvSpPr>
+          <p:cNvPr id="2" name="TextBox 1"/>
+          <p:cNvSpPr txBox="1"/>
+          <p:nvPr/>
+        </p:nvSpPr>
+        <p:spPr>
+          <a:xfrm>
+            <a:off x="519953" y="1694330"/>
+            <a:ext cx="6364941" cy="954107"/>
+          </a:xfrm>
+          <a:prstGeom prst="rect">
+            <a:avLst/>
+          </a:prstGeom>
+          <a:solidFill>
+            <a:schemeClr val="bg1">
+              <a:lumMod val="95000"/>
+            </a:schemeClr>
+          </a:solidFill>
+        </p:spPr>
+        <p:txBody>
+          <a:bodyPr wrap="square" rtlCol="0">
+            <a:spAutoFit/>
+          </a:bodyPr>
+          <a:lstStyle/>
+          <a:p>
+            <a:r>
+              <a:rPr lang="en-US" dirty="0"/>
+              <a:t>&lt;</a:t>
+            </a:r>
+            <a:r>
+              <a:rPr lang="en-US" b="1" dirty="0"/>
+              <a:t>property</a:t>
+            </a:r>
+            <a:r>
+              <a:rPr lang="en-US" dirty="0"/>
+              <a:t>&gt;</a:t>
+            </a:r>
+            <a:br>
+              <a:rPr lang="en-US" dirty="0"/>
+            </a:br>
+            <a:r>
+              <a:rPr lang="en-US" dirty="0"/>
+              <a:t>    &lt;</a:t>
+            </a:r>
+            <a:r>
+              <a:rPr lang="en-US" b="1" dirty="0"/>
+              <a:t>name</a:t>
+            </a:r>
+            <a:r>
+              <a:rPr lang="en-US" dirty="0"/>
+              <a:t>&gt;</a:t>
+            </a:r>
+            <a:r>
+              <a:rPr lang="en-US" dirty="0" err="1"/>
+              <a:t>yarn.log</a:t>
+            </a:r>
+            <a:r>
+              <a:rPr lang="en-US" dirty="0"/>
+              <a:t>-aggregation-enable&lt;/</a:t>
+            </a:r>
+            <a:r>
+              <a:rPr lang="en-US" b="1" dirty="0"/>
+              <a:t>name</a:t>
+            </a:r>
+            <a:r>
+              <a:rPr lang="en-US" dirty="0"/>
+              <a:t>&gt;</a:t>
+            </a:r>
+            <a:br>
+              <a:rPr lang="en-US" dirty="0"/>
+            </a:br>
+            <a:r>
+              <a:rPr lang="en-US" dirty="0"/>
+              <a:t>    &lt;</a:t>
+            </a:r>
+            <a:r>
+              <a:rPr lang="en-US" b="1" dirty="0"/>
+              <a:t>value</a:t>
+            </a:r>
+            <a:r>
+              <a:rPr lang="en-US" dirty="0"/>
+              <a:t>&gt;true&lt;/</a:t>
+            </a:r>
+            <a:r>
+              <a:rPr lang="en-US" b="1" dirty="0"/>
+              <a:t>value</a:t>
+            </a:r>
+            <a:r>
+              <a:rPr lang="en-US" dirty="0"/>
+              <a:t>&gt;</a:t>
+            </a:r>
+            <a:br>
+              <a:rPr lang="en-US" dirty="0"/>
+            </a:br>
+            <a:r>
+              <a:rPr lang="en-US" dirty="0"/>
+              <a:t>&lt;/</a:t>
+            </a:r>
+            <a:r>
+              <a:rPr lang="en-US" b="1" dirty="0"/>
+              <a:t>property</a:t>
+            </a:r>
+            <a:r>
+              <a:rPr lang="en-US" dirty="0"/>
+              <a:t>&gt;</a:t>
+            </a:r>
+          </a:p>
+        </p:txBody>
+      </p:sp>
+      <p:sp>
+        <p:nvSpPr>
+          <p:cNvPr id="5" name="Shape 599"/>
+          <p:cNvSpPr txBox="1">
+            <a:spLocks noGrp="1"/>
+          </p:cNvSpPr>
+          <p:nvPr>
+            <p:ph type="body" idx="1"/>
+          </p:nvPr>
+        </p:nvSpPr>
+        <p:spPr>
+          <a:xfrm>
+            <a:off x="378334" y="3086288"/>
+            <a:ext cx="8407468" cy="481665"/>
+          </a:xfrm>
+          <a:prstGeom prst="rect">
+            <a:avLst/>
+          </a:prstGeom>
+          <a:noFill/>
+          <a:ln>
+            <a:noFill/>
+          </a:ln>
+        </p:spPr>
+        <p:txBody>
+          <a:bodyPr wrap="square" lIns="95075" tIns="47525" rIns="95075" bIns="47525" anchor="t" anchorCtr="0">
+            <a:noAutofit/>
+          </a:bodyPr>
+          <a:lstStyle/>
+          <a:p>
+            <a:pPr marL="152400" indent="0">
+              <a:buNone/>
+            </a:pPr>
+            <a:r>
+              <a:rPr lang="en-US" sz="2000" dirty="0" smtClean="0"/>
+              <a:t>Restart YARN services.</a:t>
+            </a:r>
+            <a:endParaRPr sz="2000" b="0" i="0" u="none" strike="noStrike" cap="none" dirty="0">
+              <a:solidFill>
+                <a:srgbClr val="000000"/>
+              </a:solidFill>
+              <a:sym typeface="Arial"/>
+            </a:endParaRPr>
+          </a:p>
+        </p:txBody>
+      </p:sp>
+    </p:spTree>
+    <p:extLst>
+      <p:ext uri="{BB962C8B-B14F-4D97-AF65-F5344CB8AC3E}">
+        <p14:creationId xmlns:p14="http://schemas.microsoft.com/office/powerpoint/2010/main" val="1089518349"/>
+      </p:ext>
+    </p:extLst>
+  </p:cSld>
+  <p:clrMapOvr>
+    <a:masterClrMapping/>
+  </p:clrMapOvr>
+</p:sld>
+</file>
+
+<file path=ppt/slides/slide22.xml><?xml version="1.0" encoding="utf-8"?>
+<p:sld xmlns:a="http://schemas.openxmlformats.org/drawingml/2006/main" xmlns:r="http://schemas.openxmlformats.org/officeDocument/2006/relationships" xmlns:p="http://schemas.openxmlformats.org/presentationml/2006/main">
+  <p:cSld>
+    <p:spTree>
+      <p:nvGrpSpPr>
+        <p:cNvPr id="1" name="Shape 597"/>
+        <p:cNvGrpSpPr/>
+        <p:nvPr/>
+      </p:nvGrpSpPr>
+      <p:grpSpPr>
+        <a:xfrm>
+          <a:off x="0" y="0"/>
+          <a:ext cx="0" cy="0"/>
+          <a:chOff x="0" y="0"/>
+          <a:chExt cx="0" cy="0"/>
+        </a:xfrm>
+      </p:grpSpPr>
+      <p:sp>
+        <p:nvSpPr>
+          <p:cNvPr id="598" name="Shape 598"/>
+          <p:cNvSpPr txBox="1">
+            <a:spLocks noGrp="1"/>
+          </p:cNvSpPr>
+          <p:nvPr>
+            <p:ph type="title"/>
+          </p:nvPr>
+        </p:nvSpPr>
+        <p:spPr>
+          <a:xfrm>
+            <a:off x="451868" y="215218"/>
+            <a:ext cx="8260400" cy="692646"/>
+          </a:xfrm>
+          <a:prstGeom prst="rect">
+            <a:avLst/>
+          </a:prstGeom>
+          <a:noFill/>
+          <a:ln>
+            <a:noFill/>
+          </a:ln>
+        </p:spPr>
+        <p:txBody>
+          <a:bodyPr wrap="square" lIns="95075" tIns="47525" rIns="95075" bIns="47525" anchor="ctr" anchorCtr="0">
+            <a:noAutofit/>
+          </a:bodyPr>
+          <a:lstStyle/>
+          <a:p>
+            <a:pPr marL="0" marR="0" lvl="0" indent="0" algn="l" rtl="0">
+              <a:spcBef>
+                <a:spcPts val="0"/>
+              </a:spcBef>
+              <a:buClr>
+                <a:schemeClr val="accent1"/>
+              </a:buClr>
+              <a:buSzPct val="25000"/>
+              <a:buFont typeface="Arial"/>
+              <a:buNone/>
+            </a:pPr>
+            <a:r>
+              <a:rPr lang="en-US" sz="2800" b="1" i="0" u="none" strike="noStrike" cap="none" dirty="0" smtClean="0">
+                <a:solidFill>
+                  <a:schemeClr val="accent1"/>
+                </a:solidFill>
+                <a:latin typeface="Arial"/>
+                <a:ea typeface="Arial"/>
+                <a:cs typeface="Arial"/>
+                <a:sym typeface="Arial"/>
+              </a:rPr>
+              <a:t>View logs for completed applications</a:t>
+            </a:r>
+            <a:endParaRPr lang="en-US" sz="2800" b="1" i="0" u="none" strike="noStrike" cap="none" dirty="0">
+              <a:solidFill>
+                <a:schemeClr val="accent1"/>
+              </a:solidFill>
+              <a:latin typeface="Arial"/>
+              <a:ea typeface="Arial"/>
+              <a:cs typeface="Arial"/>
+              <a:sym typeface="Arial"/>
+            </a:endParaRPr>
+          </a:p>
+        </p:txBody>
+      </p:sp>
+      <p:sp>
+        <p:nvSpPr>
+          <p:cNvPr id="599" name="Shape 599"/>
+          <p:cNvSpPr txBox="1">
+            <a:spLocks noGrp="1"/>
+          </p:cNvSpPr>
+          <p:nvPr>
+            <p:ph type="body" idx="1"/>
+          </p:nvPr>
+        </p:nvSpPr>
+        <p:spPr>
+          <a:xfrm>
+            <a:off x="304800" y="907864"/>
+            <a:ext cx="8407468" cy="481665"/>
+          </a:xfrm>
+          <a:prstGeom prst="rect">
+            <a:avLst/>
+          </a:prstGeom>
+          <a:noFill/>
+          <a:ln>
+            <a:noFill/>
+          </a:ln>
+        </p:spPr>
+        <p:txBody>
+          <a:bodyPr wrap="square" lIns="95075" tIns="47525" rIns="95075" bIns="47525" anchor="t" anchorCtr="0">
+            <a:noAutofit/>
+          </a:bodyPr>
+          <a:lstStyle/>
+          <a:p>
+            <a:pPr marL="152400" indent="0">
+              <a:buNone/>
+            </a:pPr>
+            <a:r>
+              <a:rPr lang="en-US" sz="2000" dirty="0"/>
+              <a:t>Determine the application ID for the application that you want to view the logs for. For example, run the following command to list the applications</a:t>
+            </a:r>
+            <a:r>
+              <a:rPr lang="en-US" sz="2000" dirty="0" smtClean="0"/>
+              <a:t>:</a:t>
+            </a:r>
+            <a:endParaRPr sz="2000" b="0" i="0" u="none" strike="noStrike" cap="none" dirty="0">
+              <a:solidFill>
+                <a:srgbClr val="000000"/>
+              </a:solidFill>
+              <a:sym typeface="Arial"/>
+            </a:endParaRPr>
+          </a:p>
+        </p:txBody>
+      </p:sp>
+      <p:sp>
+        <p:nvSpPr>
+          <p:cNvPr id="2" name="TextBox 1"/>
+          <p:cNvSpPr txBox="1"/>
+          <p:nvPr/>
+        </p:nvSpPr>
+        <p:spPr>
+          <a:xfrm>
+            <a:off x="550480" y="2024845"/>
+            <a:ext cx="6364941" cy="307777"/>
+          </a:xfrm>
+          <a:prstGeom prst="rect">
+            <a:avLst/>
+          </a:prstGeom>
+          <a:solidFill>
+            <a:schemeClr val="bg1">
+              <a:lumMod val="95000"/>
+            </a:schemeClr>
+          </a:solidFill>
+        </p:spPr>
+        <p:txBody>
+          <a:bodyPr wrap="square" rtlCol="0">
+            <a:spAutoFit/>
+          </a:bodyPr>
+          <a:lstStyle/>
+          <a:p>
+            <a:r>
+              <a:rPr lang="en-US" dirty="0" smtClean="0"/>
+              <a:t>$ </a:t>
+            </a:r>
+            <a:r>
+              <a:rPr lang="en-US" dirty="0"/>
+              <a:t>yarn application </a:t>
+            </a:r>
+            <a:r>
+              <a:rPr lang="en-US"/>
+              <a:t>-</a:t>
+            </a:r>
+            <a:r>
+              <a:rPr lang="en-US" smtClean="0"/>
+              <a:t>list</a:t>
+            </a:r>
+            <a:endParaRPr lang="en-US" dirty="0"/>
+          </a:p>
+        </p:txBody>
+      </p:sp>
+      <p:sp>
+        <p:nvSpPr>
+          <p:cNvPr id="5" name="Shape 599"/>
+          <p:cNvSpPr txBox="1">
+            <a:spLocks noGrp="1"/>
+          </p:cNvSpPr>
+          <p:nvPr>
+            <p:ph type="body" idx="1"/>
+          </p:nvPr>
+        </p:nvSpPr>
+        <p:spPr>
+          <a:xfrm>
+            <a:off x="304800" y="2476094"/>
+            <a:ext cx="8407468" cy="983688"/>
+          </a:xfrm>
+          <a:prstGeom prst="rect">
+            <a:avLst/>
+          </a:prstGeom>
+          <a:noFill/>
+          <a:ln>
+            <a:noFill/>
+          </a:ln>
+        </p:spPr>
+        <p:txBody>
+          <a:bodyPr wrap="square" lIns="95075" tIns="47525" rIns="95075" bIns="47525" anchor="t" anchorCtr="0">
+            <a:noAutofit/>
+          </a:bodyPr>
+          <a:lstStyle/>
+          <a:p>
+            <a:pPr marL="152400" indent="0">
+              <a:buNone/>
+            </a:pPr>
+            <a:r>
+              <a:rPr lang="en-US" sz="2000" dirty="0"/>
+              <a:t>Run the yarn logs command to view the logs for the application. For example, run the following command to view the log files for application application_1415822090718 </a:t>
+            </a:r>
+            <a:endParaRPr sz="2000" b="0" i="0" u="none" strike="noStrike" cap="none" dirty="0">
+              <a:solidFill>
+                <a:srgbClr val="000000"/>
+              </a:solidFill>
+              <a:sym typeface="Arial"/>
+            </a:endParaRPr>
+          </a:p>
+        </p:txBody>
+      </p:sp>
+      <p:sp>
+        <p:nvSpPr>
+          <p:cNvPr id="6" name="TextBox 5"/>
+          <p:cNvSpPr txBox="1"/>
+          <p:nvPr/>
+        </p:nvSpPr>
+        <p:spPr>
+          <a:xfrm>
+            <a:off x="550480" y="3594599"/>
+            <a:ext cx="6364941" cy="307777"/>
+          </a:xfrm>
+          <a:prstGeom prst="rect">
+            <a:avLst/>
+          </a:prstGeom>
+          <a:solidFill>
+            <a:schemeClr val="bg1">
+              <a:lumMod val="95000"/>
+            </a:schemeClr>
+          </a:solidFill>
+        </p:spPr>
+        <p:txBody>
+          <a:bodyPr wrap="square" rtlCol="0">
+            <a:spAutoFit/>
+          </a:bodyPr>
+          <a:lstStyle/>
+          <a:p>
+            <a:r>
+              <a:rPr lang="en-US" dirty="0" smtClean="0"/>
+              <a:t>$ </a:t>
+            </a:r>
+            <a:r>
+              <a:rPr lang="en-US" dirty="0"/>
+              <a:t>yarn logs -</a:t>
+            </a:r>
+            <a:r>
+              <a:rPr lang="en-US" dirty="0" err="1"/>
+              <a:t>applicationId</a:t>
+            </a:r>
+            <a:r>
+              <a:rPr lang="en-US" dirty="0"/>
+              <a:t> </a:t>
+            </a:r>
+            <a:r>
+              <a:rPr lang="en-US" dirty="0" smtClean="0"/>
+              <a:t>application_1415822090718</a:t>
+            </a:r>
+            <a:endParaRPr lang="en-US" dirty="0"/>
+          </a:p>
+        </p:txBody>
+      </p:sp>
+    </p:spTree>
+    <p:extLst>
+      <p:ext uri="{BB962C8B-B14F-4D97-AF65-F5344CB8AC3E}">
+        <p14:creationId xmlns:p14="http://schemas.microsoft.com/office/powerpoint/2010/main" val="343956338"/>
+      </p:ext>
+    </p:extLst>
+  </p:cSld>
+  <p:clrMapOvr>
+    <a:masterClrMapping/>
+  </p:clrMapOvr>
+</p:sld>
+</file>
+
+<file path=ppt/slides/slide23.xml><?xml version="1.0" encoding="utf-8"?>
+<p:sld xmlns:a="http://schemas.openxmlformats.org/drawingml/2006/main" xmlns:r="http://schemas.openxmlformats.org/officeDocument/2006/relationships" xmlns:p="http://schemas.openxmlformats.org/presentationml/2006/main">
+  <p:cSld>
+    <p:spTree>
+      <p:nvGrpSpPr>
+        <p:cNvPr id="1" name="Shape 585"/>
+        <p:cNvGrpSpPr/>
+        <p:nvPr/>
+      </p:nvGrpSpPr>
+      <p:grpSpPr>
+        <a:xfrm>
+          <a:off x="0" y="0"/>
+          <a:ext cx="0" cy="0"/>
+          <a:chOff x="0" y="0"/>
+          <a:chExt cx="0" cy="0"/>
+        </a:xfrm>
+      </p:grpSpPr>
+      <p:sp>
+        <p:nvSpPr>
+          <p:cNvPr id="586" name="Shape 586"/>
+          <p:cNvSpPr txBox="1">
+            <a:spLocks noGrp="1"/>
+          </p:cNvSpPr>
+          <p:nvPr>
+            <p:ph type="body" idx="1"/>
+          </p:nvPr>
+        </p:nvSpPr>
+        <p:spPr>
+          <a:xfrm>
+            <a:off x="440273" y="2181926"/>
+            <a:ext cx="5801678" cy="815273"/>
+          </a:xfrm>
+          <a:prstGeom prst="rect">
+            <a:avLst/>
+          </a:prstGeom>
+          <a:noFill/>
+          <a:ln>
+            <a:noFill/>
+          </a:ln>
+        </p:spPr>
+        <p:txBody>
+          <a:bodyPr wrap="square" lIns="95075" tIns="47525" rIns="95075" bIns="47525" anchor="ctr" anchorCtr="0">
+            <a:noAutofit/>
+          </a:bodyPr>
+          <a:lstStyle/>
+          <a:p>
+            <a:pPr marL="0" marR="0" lvl="0" indent="0" algn="l" rtl="0">
+              <a:lnSpc>
+                <a:spcPct val="95000"/>
+              </a:lnSpc>
+              <a:spcBef>
+                <a:spcPts val="0"/>
+              </a:spcBef>
+              <a:spcAft>
+                <a:spcPts val="0"/>
+              </a:spcAft>
+              <a:buClr>
+                <a:schemeClr val="lt1"/>
+              </a:buClr>
+              <a:buSzPct val="25000"/>
+              <a:buFont typeface="Arial"/>
+              <a:buNone/>
+            </a:pPr>
+            <a:r>
+              <a:rPr lang="en-US" sz="3000" b="0" i="0" u="none" strike="noStrike" cap="none" dirty="0" smtClean="0">
+                <a:solidFill>
+                  <a:schemeClr val="lt1"/>
+                </a:solidFill>
+                <a:latin typeface="Arial"/>
+                <a:ea typeface="Arial"/>
+                <a:cs typeface="Arial"/>
+                <a:sym typeface="Arial"/>
+              </a:rPr>
+              <a:t>GUTS</a:t>
+            </a:r>
+            <a:endParaRPr lang="en-US" sz="3000" b="0" i="0" u="none" strike="noStrike" cap="none" dirty="0">
+              <a:solidFill>
+                <a:schemeClr val="lt1"/>
+              </a:solidFill>
+              <a:latin typeface="Arial"/>
+              <a:ea typeface="Arial"/>
+              <a:cs typeface="Arial"/>
+              <a:sym typeface="Arial"/>
+            </a:endParaRPr>
+          </a:p>
+        </p:txBody>
+      </p:sp>
+    </p:spTree>
+    <p:extLst>
+      <p:ext uri="{BB962C8B-B14F-4D97-AF65-F5344CB8AC3E}">
+        <p14:creationId xmlns:p14="http://schemas.microsoft.com/office/powerpoint/2010/main" val="545147212"/>
+      </p:ext>
+    </p:extLst>
+  </p:cSld>
+  <p:clrMapOvr>
+    <a:masterClrMapping/>
+  </p:clrMapOvr>
+  <p:transition spd="med">
+    <p:fade/>
+  </p:transition>
+</p:sld>
+</file>
+
+<file path=ppt/slides/slide24.xml><?xml version="1.0" encoding="utf-8"?>
+<p:sld xmlns:a="http://schemas.openxmlformats.org/drawingml/2006/main" xmlns:r="http://schemas.openxmlformats.org/officeDocument/2006/relationships" xmlns:p="http://schemas.openxmlformats.org/presentationml/2006/main">
+  <p:cSld>
+    <p:spTree>
+      <p:nvGrpSpPr>
+        <p:cNvPr id="1" name="Shape 597"/>
+        <p:cNvGrpSpPr/>
+        <p:nvPr/>
+      </p:nvGrpSpPr>
+      <p:grpSpPr>
+        <a:xfrm>
+          <a:off x="0" y="0"/>
+          <a:ext cx="0" cy="0"/>
+          <a:chOff x="0" y="0"/>
+          <a:chExt cx="0" cy="0"/>
+        </a:xfrm>
+      </p:grpSpPr>
+      <p:sp>
+        <p:nvSpPr>
+          <p:cNvPr id="598" name="Shape 598"/>
+          <p:cNvSpPr txBox="1">
+            <a:spLocks noGrp="1"/>
+          </p:cNvSpPr>
+          <p:nvPr>
+            <p:ph type="title"/>
+          </p:nvPr>
+        </p:nvSpPr>
+        <p:spPr>
+          <a:xfrm>
+            <a:off x="451868" y="215218"/>
+            <a:ext cx="8260400" cy="692646"/>
+          </a:xfrm>
+          <a:prstGeom prst="rect">
+            <a:avLst/>
+          </a:prstGeom>
+          <a:noFill/>
+          <a:ln>
+            <a:noFill/>
+          </a:ln>
+        </p:spPr>
+        <p:txBody>
+          <a:bodyPr wrap="square" lIns="95075" tIns="47525" rIns="95075" bIns="47525" anchor="ctr" anchorCtr="0">
+            <a:noAutofit/>
+          </a:bodyPr>
+          <a:lstStyle/>
+          <a:p>
+            <a:pPr marL="0" marR="0" lvl="0" indent="0" algn="l" rtl="0">
+              <a:spcBef>
+                <a:spcPts val="0"/>
+              </a:spcBef>
+              <a:buClr>
+                <a:schemeClr val="accent1"/>
+              </a:buClr>
+              <a:buSzPct val="25000"/>
+              <a:buFont typeface="Arial"/>
+              <a:buNone/>
+            </a:pPr>
+            <a:r>
+              <a:rPr lang="en-US" sz="2800" b="1" i="0" u="none" strike="noStrike" cap="none" dirty="0" smtClean="0">
+                <a:solidFill>
+                  <a:schemeClr val="accent1"/>
+                </a:solidFill>
+                <a:latin typeface="Arial"/>
+                <a:ea typeface="Arial"/>
+                <a:cs typeface="Arial"/>
+                <a:sym typeface="Arial"/>
+              </a:rPr>
+              <a:t>GUTS tool</a:t>
+            </a:r>
+            <a:endParaRPr lang="en-US" sz="2800" b="1" i="0" u="none" strike="noStrike" cap="none" dirty="0">
+              <a:solidFill>
+                <a:schemeClr val="accent1"/>
+              </a:solidFill>
+              <a:latin typeface="Arial"/>
+              <a:ea typeface="Arial"/>
+              <a:cs typeface="Arial"/>
+              <a:sym typeface="Arial"/>
+            </a:endParaRPr>
+          </a:p>
+        </p:txBody>
+      </p:sp>
+      <p:sp>
+        <p:nvSpPr>
+          <p:cNvPr id="599" name="Shape 599"/>
+          <p:cNvSpPr txBox="1">
+            <a:spLocks noGrp="1"/>
+          </p:cNvSpPr>
+          <p:nvPr>
+            <p:ph type="body" idx="1"/>
+          </p:nvPr>
+        </p:nvSpPr>
+        <p:spPr>
+          <a:xfrm>
+            <a:off x="304800" y="907864"/>
             <a:ext cx="8407468" cy="1360207"/>
           </a:xfrm>
           <a:prstGeom prst="rect">
@@ -21772,7 +22856,7 @@
 </p:sld>
 </file>
 
-<file path=ppt/slides/slide21.xml><?xml version="1.0" encoding="utf-8"?>
+<file path=ppt/slides/slide25.xml><?xml version="1.0" encoding="utf-8"?>
 <p:sld xmlns:a="http://schemas.openxmlformats.org/drawingml/2006/main" xmlns:r="http://schemas.openxmlformats.org/officeDocument/2006/relationships" xmlns:p="http://schemas.openxmlformats.org/presentationml/2006/main">
   <p:cSld>
     <p:spTree>
@@ -22308,7 +23392,7 @@
 </p:sld>
 </file>
 
-<file path=ppt/slides/slide22.xml><?xml version="1.0" encoding="utf-8"?>
+<file path=ppt/slides/slide26.xml><?xml version="1.0" encoding="utf-8"?>
 <p:sld xmlns:a="http://schemas.openxmlformats.org/drawingml/2006/main" xmlns:r="http://schemas.openxmlformats.org/officeDocument/2006/relationships" xmlns:p="http://schemas.openxmlformats.org/presentationml/2006/main">
   <p:cSld>
     <p:spTree>
@@ -22717,908 +23801,6 @@
 </p:sld>
 </file>
 
-<file path=ppt/slides/slide23.xml><?xml version="1.0" encoding="utf-8"?>
-<p:sld xmlns:a="http://schemas.openxmlformats.org/drawingml/2006/main" xmlns:r="http://schemas.openxmlformats.org/officeDocument/2006/relationships" xmlns:p="http://schemas.openxmlformats.org/presentationml/2006/main">
-  <p:cSld>
-    <p:spTree>
-      <p:nvGrpSpPr>
-        <p:cNvPr id="1" name="Shape 585"/>
-        <p:cNvGrpSpPr/>
-        <p:nvPr/>
-      </p:nvGrpSpPr>
-      <p:grpSpPr>
-        <a:xfrm>
-          <a:off x="0" y="0"/>
-          <a:ext cx="0" cy="0"/>
-          <a:chOff x="0" y="0"/>
-          <a:chExt cx="0" cy="0"/>
-        </a:xfrm>
-      </p:grpSpPr>
-      <p:sp>
-        <p:nvSpPr>
-          <p:cNvPr id="586" name="Shape 586"/>
-          <p:cNvSpPr txBox="1">
-            <a:spLocks noGrp="1"/>
-          </p:cNvSpPr>
-          <p:nvPr>
-            <p:ph type="body" idx="1"/>
-          </p:nvPr>
-        </p:nvSpPr>
-        <p:spPr>
-          <a:xfrm>
-            <a:off x="440273" y="2181926"/>
-            <a:ext cx="5801678" cy="815273"/>
-          </a:xfrm>
-          <a:prstGeom prst="rect">
-            <a:avLst/>
-          </a:prstGeom>
-          <a:noFill/>
-          <a:ln>
-            <a:noFill/>
-          </a:ln>
-        </p:spPr>
-        <p:txBody>
-          <a:bodyPr wrap="square" lIns="95075" tIns="47525" rIns="95075" bIns="47525" anchor="ctr" anchorCtr="0">
-            <a:noAutofit/>
-          </a:bodyPr>
-          <a:lstStyle/>
-          <a:p>
-            <a:pPr marL="0" marR="0" lvl="0" indent="0" algn="l" rtl="0">
-              <a:lnSpc>
-                <a:spcPct val="95000"/>
-              </a:lnSpc>
-              <a:spcBef>
-                <a:spcPts val="0"/>
-              </a:spcBef>
-              <a:spcAft>
-                <a:spcPts val="0"/>
-              </a:spcAft>
-              <a:buClr>
-                <a:schemeClr val="lt1"/>
-              </a:buClr>
-              <a:buSzPct val="25000"/>
-              <a:buFont typeface="Arial"/>
-              <a:buNone/>
-            </a:pPr>
-            <a:r>
-              <a:rPr lang="en-US" sz="3000" b="0" i="0" u="none" strike="noStrike" cap="none" dirty="0" smtClean="0">
-                <a:solidFill>
-                  <a:schemeClr val="lt1"/>
-                </a:solidFill>
-                <a:latin typeface="Arial"/>
-                <a:ea typeface="Arial"/>
-                <a:cs typeface="Arial"/>
-                <a:sym typeface="Arial"/>
-              </a:rPr>
-              <a:t>YARN Log aggregation</a:t>
-            </a:r>
-            <a:endParaRPr lang="en-US" sz="3000" b="0" i="0" u="none" strike="noStrike" cap="none" dirty="0">
-              <a:solidFill>
-                <a:schemeClr val="lt1"/>
-              </a:solidFill>
-              <a:latin typeface="Arial"/>
-              <a:ea typeface="Arial"/>
-              <a:cs typeface="Arial"/>
-              <a:sym typeface="Arial"/>
-            </a:endParaRPr>
-          </a:p>
-        </p:txBody>
-      </p:sp>
-    </p:spTree>
-    <p:extLst>
-      <p:ext uri="{BB962C8B-B14F-4D97-AF65-F5344CB8AC3E}">
-        <p14:creationId xmlns:p14="http://schemas.microsoft.com/office/powerpoint/2010/main" val="1785727354"/>
-      </p:ext>
-    </p:extLst>
-  </p:cSld>
-  <p:clrMapOvr>
-    <a:masterClrMapping/>
-  </p:clrMapOvr>
-  <p:transition spd="med">
-    <p:fade/>
-  </p:transition>
-</p:sld>
-</file>
-
-<file path=ppt/slides/slide24.xml><?xml version="1.0" encoding="utf-8"?>
-<p:sld xmlns:a="http://schemas.openxmlformats.org/drawingml/2006/main" xmlns:r="http://schemas.openxmlformats.org/officeDocument/2006/relationships" xmlns:p="http://schemas.openxmlformats.org/presentationml/2006/main">
-  <p:cSld>
-    <p:spTree>
-      <p:nvGrpSpPr>
-        <p:cNvPr id="1" name="Shape 597"/>
-        <p:cNvGrpSpPr/>
-        <p:nvPr/>
-      </p:nvGrpSpPr>
-      <p:grpSpPr>
-        <a:xfrm>
-          <a:off x="0" y="0"/>
-          <a:ext cx="0" cy="0"/>
-          <a:chOff x="0" y="0"/>
-          <a:chExt cx="0" cy="0"/>
-        </a:xfrm>
-      </p:grpSpPr>
-      <p:sp>
-        <p:nvSpPr>
-          <p:cNvPr id="598" name="Shape 598"/>
-          <p:cNvSpPr txBox="1">
-            <a:spLocks noGrp="1"/>
-          </p:cNvSpPr>
-          <p:nvPr>
-            <p:ph type="title"/>
-          </p:nvPr>
-        </p:nvSpPr>
-        <p:spPr>
-          <a:xfrm>
-            <a:off x="451868" y="215218"/>
-            <a:ext cx="8260400" cy="692646"/>
-          </a:xfrm>
-          <a:prstGeom prst="rect">
-            <a:avLst/>
-          </a:prstGeom>
-          <a:noFill/>
-          <a:ln>
-            <a:noFill/>
-          </a:ln>
-        </p:spPr>
-        <p:txBody>
-          <a:bodyPr wrap="square" lIns="95075" tIns="47525" rIns="95075" bIns="47525" anchor="ctr" anchorCtr="0">
-            <a:noAutofit/>
-          </a:bodyPr>
-          <a:lstStyle/>
-          <a:p>
-            <a:pPr marL="0" marR="0" lvl="0" indent="0" algn="l" rtl="0">
-              <a:spcBef>
-                <a:spcPts val="0"/>
-              </a:spcBef>
-              <a:buClr>
-                <a:schemeClr val="accent1"/>
-              </a:buClr>
-              <a:buSzPct val="25000"/>
-              <a:buFont typeface="Arial"/>
-              <a:buNone/>
-            </a:pPr>
-            <a:r>
-              <a:rPr lang="en-US" sz="2800" b="1" i="0" u="none" strike="noStrike" cap="none" dirty="0" smtClean="0">
-                <a:solidFill>
-                  <a:schemeClr val="accent1"/>
-                </a:solidFill>
-                <a:latin typeface="Arial"/>
-                <a:ea typeface="Arial"/>
-                <a:cs typeface="Arial"/>
-                <a:sym typeface="Arial"/>
-              </a:rPr>
-              <a:t>YARN Log aggregation</a:t>
-            </a:r>
-            <a:endParaRPr lang="en-US" sz="2800" b="1" i="0" u="none" strike="noStrike" cap="none" dirty="0">
-              <a:solidFill>
-                <a:schemeClr val="accent1"/>
-              </a:solidFill>
-              <a:latin typeface="Arial"/>
-              <a:ea typeface="Arial"/>
-              <a:cs typeface="Arial"/>
-              <a:sym typeface="Arial"/>
-            </a:endParaRPr>
-          </a:p>
-        </p:txBody>
-      </p:sp>
-      <p:sp>
-        <p:nvSpPr>
-          <p:cNvPr id="599" name="Shape 599"/>
-          <p:cNvSpPr txBox="1">
-            <a:spLocks noGrp="1"/>
-          </p:cNvSpPr>
-          <p:nvPr>
-            <p:ph type="body" idx="1"/>
-          </p:nvPr>
-        </p:nvSpPr>
-        <p:spPr>
-          <a:xfrm>
-            <a:off x="304800" y="907864"/>
-            <a:ext cx="8407468" cy="3233830"/>
-          </a:xfrm>
-          <a:prstGeom prst="rect">
-            <a:avLst/>
-          </a:prstGeom>
-          <a:noFill/>
-          <a:ln>
-            <a:noFill/>
-          </a:ln>
-        </p:spPr>
-        <p:txBody>
-          <a:bodyPr wrap="square" lIns="95075" tIns="47525" rIns="95075" bIns="47525" anchor="t" anchorCtr="0">
-            <a:noAutofit/>
-          </a:bodyPr>
-          <a:lstStyle/>
-          <a:p>
-            <a:pPr marL="152400" indent="0">
-              <a:buNone/>
-            </a:pPr>
-            <a:r>
-              <a:rPr lang="en-US" dirty="0"/>
-              <a:t>The YARN Log Aggregation option aggregates and moves log files for completed applications from the local file system to the </a:t>
-            </a:r>
-            <a:r>
-              <a:rPr lang="en-US" dirty="0" err="1"/>
-              <a:t>MapR</a:t>
-            </a:r>
-            <a:r>
-              <a:rPr lang="en-US" dirty="0"/>
-              <a:t>-FS. This allows users to view the entire set of logs for a particular application using the </a:t>
-            </a:r>
-            <a:r>
-              <a:rPr lang="en-US" dirty="0" err="1"/>
-              <a:t>HistoryServer</a:t>
-            </a:r>
-            <a:r>
-              <a:rPr lang="en-US" dirty="0"/>
-              <a:t> UI or by running the yarn logs command</a:t>
-            </a:r>
-            <a:r>
-              <a:rPr lang="en-US" dirty="0" smtClean="0"/>
-              <a:t>.</a:t>
-            </a:r>
-          </a:p>
-          <a:p>
-            <a:pPr marL="152400" indent="0">
-              <a:buNone/>
-            </a:pPr>
-            <a:endParaRPr lang="en-US" sz="1900" b="0" i="0" u="none" strike="noStrike" cap="none" dirty="0">
-              <a:solidFill>
-                <a:srgbClr val="000000"/>
-              </a:solidFill>
-              <a:latin typeface="Arial"/>
-              <a:ea typeface="Arial"/>
-              <a:cs typeface="Arial"/>
-              <a:sym typeface="Arial"/>
-            </a:endParaRPr>
-          </a:p>
-          <a:p>
-            <a:pPr marL="152400" indent="0">
-              <a:buNone/>
-            </a:pPr>
-            <a:r>
-              <a:rPr lang="en-US" sz="2000" dirty="0"/>
-              <a:t>By default, YARN container logs are not aggregated on the </a:t>
-            </a:r>
-            <a:r>
-              <a:rPr lang="en-US" sz="2000" dirty="0" err="1"/>
-              <a:t>MapR</a:t>
-            </a:r>
-            <a:r>
-              <a:rPr lang="en-US" sz="2000" dirty="0"/>
-              <a:t>-FS. Instead, the logs are retained for 3 hours on the local file system before they are deleted.</a:t>
-            </a:r>
-            <a:endParaRPr sz="1900" b="0" i="0" u="none" strike="noStrike" cap="none" dirty="0">
-              <a:solidFill>
-                <a:srgbClr val="000000"/>
-              </a:solidFill>
-              <a:latin typeface="Arial"/>
-              <a:ea typeface="Arial"/>
-              <a:cs typeface="Arial"/>
-              <a:sym typeface="Arial"/>
-            </a:endParaRPr>
-          </a:p>
-        </p:txBody>
-      </p:sp>
-    </p:spTree>
-    <p:extLst>
-      <p:ext uri="{BB962C8B-B14F-4D97-AF65-F5344CB8AC3E}">
-        <p14:creationId xmlns:p14="http://schemas.microsoft.com/office/powerpoint/2010/main" val="35494792"/>
-      </p:ext>
-    </p:extLst>
-  </p:cSld>
-  <p:clrMapOvr>
-    <a:masterClrMapping/>
-  </p:clrMapOvr>
-</p:sld>
-</file>
-
-<file path=ppt/slides/slide25.xml><?xml version="1.0" encoding="utf-8"?>
-<p:sld xmlns:a="http://schemas.openxmlformats.org/drawingml/2006/main" xmlns:r="http://schemas.openxmlformats.org/officeDocument/2006/relationships" xmlns:p="http://schemas.openxmlformats.org/presentationml/2006/main">
-  <p:cSld>
-    <p:spTree>
-      <p:nvGrpSpPr>
-        <p:cNvPr id="1" name="Shape 597"/>
-        <p:cNvGrpSpPr/>
-        <p:nvPr/>
-      </p:nvGrpSpPr>
-      <p:grpSpPr>
-        <a:xfrm>
-          <a:off x="0" y="0"/>
-          <a:ext cx="0" cy="0"/>
-          <a:chOff x="0" y="0"/>
-          <a:chExt cx="0" cy="0"/>
-        </a:xfrm>
-      </p:grpSpPr>
-      <p:sp>
-        <p:nvSpPr>
-          <p:cNvPr id="598" name="Shape 598"/>
-          <p:cNvSpPr txBox="1">
-            <a:spLocks noGrp="1"/>
-          </p:cNvSpPr>
-          <p:nvPr>
-            <p:ph type="title"/>
-          </p:nvPr>
-        </p:nvSpPr>
-        <p:spPr>
-          <a:xfrm>
-            <a:off x="451868" y="215218"/>
-            <a:ext cx="8260400" cy="692646"/>
-          </a:xfrm>
-          <a:prstGeom prst="rect">
-            <a:avLst/>
-          </a:prstGeom>
-          <a:noFill/>
-          <a:ln>
-            <a:noFill/>
-          </a:ln>
-        </p:spPr>
-        <p:txBody>
-          <a:bodyPr wrap="square" lIns="95075" tIns="47525" rIns="95075" bIns="47525" anchor="ctr" anchorCtr="0">
-            <a:noAutofit/>
-          </a:bodyPr>
-          <a:lstStyle/>
-          <a:p>
-            <a:pPr marL="0" marR="0" lvl="0" indent="0" algn="l" rtl="0">
-              <a:spcBef>
-                <a:spcPts val="0"/>
-              </a:spcBef>
-              <a:buClr>
-                <a:schemeClr val="accent1"/>
-              </a:buClr>
-              <a:buSzPct val="25000"/>
-              <a:buFont typeface="Arial"/>
-              <a:buNone/>
-            </a:pPr>
-            <a:r>
-              <a:rPr lang="en-US" sz="2800" b="1" i="0" u="none" strike="noStrike" cap="none" dirty="0" smtClean="0">
-                <a:solidFill>
-                  <a:schemeClr val="accent1"/>
-                </a:solidFill>
-                <a:latin typeface="Arial"/>
-                <a:ea typeface="Arial"/>
-                <a:cs typeface="Arial"/>
-                <a:sym typeface="Arial"/>
-              </a:rPr>
-              <a:t>Enable YARN Log aggregation</a:t>
-            </a:r>
-            <a:endParaRPr lang="en-US" sz="2800" b="1" i="0" u="none" strike="noStrike" cap="none" dirty="0">
-              <a:solidFill>
-                <a:schemeClr val="accent1"/>
-              </a:solidFill>
-              <a:latin typeface="Arial"/>
-              <a:ea typeface="Arial"/>
-              <a:cs typeface="Arial"/>
-              <a:sym typeface="Arial"/>
-            </a:endParaRPr>
-          </a:p>
-        </p:txBody>
-      </p:sp>
-      <p:sp>
-        <p:nvSpPr>
-          <p:cNvPr id="599" name="Shape 599"/>
-          <p:cNvSpPr txBox="1">
-            <a:spLocks noGrp="1"/>
-          </p:cNvSpPr>
-          <p:nvPr>
-            <p:ph type="body" idx="1"/>
-          </p:nvPr>
-        </p:nvSpPr>
-        <p:spPr>
-          <a:xfrm>
-            <a:off x="304800" y="907864"/>
-            <a:ext cx="8407468" cy="481665"/>
-          </a:xfrm>
-          <a:prstGeom prst="rect">
-            <a:avLst/>
-          </a:prstGeom>
-          <a:noFill/>
-          <a:ln>
-            <a:noFill/>
-          </a:ln>
-        </p:spPr>
-        <p:txBody>
-          <a:bodyPr wrap="square" lIns="95075" tIns="47525" rIns="95075" bIns="47525" anchor="t" anchorCtr="0">
-            <a:noAutofit/>
-          </a:bodyPr>
-          <a:lstStyle/>
-          <a:p>
-            <a:pPr marL="152400" indent="0">
-              <a:buNone/>
-            </a:pPr>
-            <a:r>
-              <a:rPr lang="en-US" sz="2000" dirty="0" smtClean="0"/>
-              <a:t>Add following to /opt/</a:t>
-            </a:r>
-            <a:r>
-              <a:rPr lang="en-US" sz="2000" dirty="0" err="1" smtClean="0"/>
-              <a:t>mapr</a:t>
-            </a:r>
-            <a:r>
-              <a:rPr lang="en-US" sz="2000" dirty="0" smtClean="0"/>
-              <a:t>/hadoop-2.7.o/</a:t>
-            </a:r>
-            <a:r>
-              <a:rPr lang="en-US" sz="2000" dirty="0" err="1" smtClean="0"/>
-              <a:t>etc</a:t>
-            </a:r>
-            <a:r>
-              <a:rPr lang="en-US" sz="2000" dirty="0" smtClean="0"/>
-              <a:t>/</a:t>
-            </a:r>
-            <a:r>
-              <a:rPr lang="en-US" sz="2000" dirty="0" err="1" smtClean="0"/>
-              <a:t>hadoop</a:t>
-            </a:r>
-            <a:r>
-              <a:rPr lang="en-US" sz="2000" dirty="0" smtClean="0"/>
-              <a:t>/yarn-</a:t>
-            </a:r>
-            <a:r>
-              <a:rPr lang="en-US" sz="2000" dirty="0" err="1" smtClean="0"/>
-              <a:t>site.xml</a:t>
-            </a:r>
-            <a:endParaRPr sz="2000" b="0" i="0" u="none" strike="noStrike" cap="none" dirty="0">
-              <a:solidFill>
-                <a:srgbClr val="000000"/>
-              </a:solidFill>
-              <a:sym typeface="Arial"/>
-            </a:endParaRPr>
-          </a:p>
-        </p:txBody>
-      </p:sp>
-      <p:sp>
-        <p:nvSpPr>
-          <p:cNvPr id="2" name="TextBox 1"/>
-          <p:cNvSpPr txBox="1"/>
-          <p:nvPr/>
-        </p:nvSpPr>
-        <p:spPr>
-          <a:xfrm>
-            <a:off x="519953" y="1694330"/>
-            <a:ext cx="6364941" cy="954107"/>
-          </a:xfrm>
-          <a:prstGeom prst="rect">
-            <a:avLst/>
-          </a:prstGeom>
-          <a:solidFill>
-            <a:schemeClr val="bg1">
-              <a:lumMod val="95000"/>
-            </a:schemeClr>
-          </a:solidFill>
-        </p:spPr>
-        <p:txBody>
-          <a:bodyPr wrap="square" rtlCol="0">
-            <a:spAutoFit/>
-          </a:bodyPr>
-          <a:lstStyle/>
-          <a:p>
-            <a:r>
-              <a:rPr lang="en-US" dirty="0"/>
-              <a:t>&lt;</a:t>
-            </a:r>
-            <a:r>
-              <a:rPr lang="en-US" b="1" dirty="0"/>
-              <a:t>property</a:t>
-            </a:r>
-            <a:r>
-              <a:rPr lang="en-US" dirty="0"/>
-              <a:t>&gt;</a:t>
-            </a:r>
-            <a:br>
-              <a:rPr lang="en-US" dirty="0"/>
-            </a:br>
-            <a:r>
-              <a:rPr lang="en-US" dirty="0"/>
-              <a:t>    &lt;</a:t>
-            </a:r>
-            <a:r>
-              <a:rPr lang="en-US" b="1" dirty="0"/>
-              <a:t>name</a:t>
-            </a:r>
-            <a:r>
-              <a:rPr lang="en-US" dirty="0"/>
-              <a:t>&gt;</a:t>
-            </a:r>
-            <a:r>
-              <a:rPr lang="en-US" dirty="0" err="1"/>
-              <a:t>yarn.log</a:t>
-            </a:r>
-            <a:r>
-              <a:rPr lang="en-US" dirty="0"/>
-              <a:t>-aggregation-enable&lt;/</a:t>
-            </a:r>
-            <a:r>
-              <a:rPr lang="en-US" b="1" dirty="0"/>
-              <a:t>name</a:t>
-            </a:r>
-            <a:r>
-              <a:rPr lang="en-US" dirty="0"/>
-              <a:t>&gt;</a:t>
-            </a:r>
-            <a:br>
-              <a:rPr lang="en-US" dirty="0"/>
-            </a:br>
-            <a:r>
-              <a:rPr lang="en-US" dirty="0"/>
-              <a:t>    &lt;</a:t>
-            </a:r>
-            <a:r>
-              <a:rPr lang="en-US" b="1" dirty="0"/>
-              <a:t>value</a:t>
-            </a:r>
-            <a:r>
-              <a:rPr lang="en-US" dirty="0"/>
-              <a:t>&gt;true&lt;/</a:t>
-            </a:r>
-            <a:r>
-              <a:rPr lang="en-US" b="1" dirty="0"/>
-              <a:t>value</a:t>
-            </a:r>
-            <a:r>
-              <a:rPr lang="en-US" dirty="0"/>
-              <a:t>&gt;</a:t>
-            </a:r>
-            <a:br>
-              <a:rPr lang="en-US" dirty="0"/>
-            </a:br>
-            <a:r>
-              <a:rPr lang="en-US" dirty="0"/>
-              <a:t>&lt;/</a:t>
-            </a:r>
-            <a:r>
-              <a:rPr lang="en-US" b="1" dirty="0"/>
-              <a:t>property</a:t>
-            </a:r>
-            <a:r>
-              <a:rPr lang="en-US" dirty="0"/>
-              <a:t>&gt;</a:t>
-            </a:r>
-          </a:p>
-        </p:txBody>
-      </p:sp>
-      <p:sp>
-        <p:nvSpPr>
-          <p:cNvPr id="5" name="Shape 599"/>
-          <p:cNvSpPr txBox="1">
-            <a:spLocks noGrp="1"/>
-          </p:cNvSpPr>
-          <p:nvPr>
-            <p:ph type="body" idx="1"/>
-          </p:nvPr>
-        </p:nvSpPr>
-        <p:spPr>
-          <a:xfrm>
-            <a:off x="378334" y="3086288"/>
-            <a:ext cx="8407468" cy="481665"/>
-          </a:xfrm>
-          <a:prstGeom prst="rect">
-            <a:avLst/>
-          </a:prstGeom>
-          <a:noFill/>
-          <a:ln>
-            <a:noFill/>
-          </a:ln>
-        </p:spPr>
-        <p:txBody>
-          <a:bodyPr wrap="square" lIns="95075" tIns="47525" rIns="95075" bIns="47525" anchor="t" anchorCtr="0">
-            <a:noAutofit/>
-          </a:bodyPr>
-          <a:lstStyle/>
-          <a:p>
-            <a:pPr marL="152400" indent="0">
-              <a:buNone/>
-            </a:pPr>
-            <a:r>
-              <a:rPr lang="en-US" sz="2000" dirty="0" smtClean="0"/>
-              <a:t>Restart YARN services.</a:t>
-            </a:r>
-            <a:endParaRPr sz="2000" b="0" i="0" u="none" strike="noStrike" cap="none" dirty="0">
-              <a:solidFill>
-                <a:srgbClr val="000000"/>
-              </a:solidFill>
-              <a:sym typeface="Arial"/>
-            </a:endParaRPr>
-          </a:p>
-        </p:txBody>
-      </p:sp>
-    </p:spTree>
-    <p:extLst>
-      <p:ext uri="{BB962C8B-B14F-4D97-AF65-F5344CB8AC3E}">
-        <p14:creationId xmlns:p14="http://schemas.microsoft.com/office/powerpoint/2010/main" val="1089518349"/>
-      </p:ext>
-    </p:extLst>
-  </p:cSld>
-  <p:clrMapOvr>
-    <a:masterClrMapping/>
-  </p:clrMapOvr>
-</p:sld>
-</file>
-
-<file path=ppt/slides/slide26.xml><?xml version="1.0" encoding="utf-8"?>
-<p:sld xmlns:a="http://schemas.openxmlformats.org/drawingml/2006/main" xmlns:r="http://schemas.openxmlformats.org/officeDocument/2006/relationships" xmlns:p="http://schemas.openxmlformats.org/presentationml/2006/main">
-  <p:cSld>
-    <p:spTree>
-      <p:nvGrpSpPr>
-        <p:cNvPr id="1" name="Shape 597"/>
-        <p:cNvGrpSpPr/>
-        <p:nvPr/>
-      </p:nvGrpSpPr>
-      <p:grpSpPr>
-        <a:xfrm>
-          <a:off x="0" y="0"/>
-          <a:ext cx="0" cy="0"/>
-          <a:chOff x="0" y="0"/>
-          <a:chExt cx="0" cy="0"/>
-        </a:xfrm>
-      </p:grpSpPr>
-      <p:sp>
-        <p:nvSpPr>
-          <p:cNvPr id="598" name="Shape 598"/>
-          <p:cNvSpPr txBox="1">
-            <a:spLocks noGrp="1"/>
-          </p:cNvSpPr>
-          <p:nvPr>
-            <p:ph type="title"/>
-          </p:nvPr>
-        </p:nvSpPr>
-        <p:spPr>
-          <a:xfrm>
-            <a:off x="451868" y="215218"/>
-            <a:ext cx="8260400" cy="692646"/>
-          </a:xfrm>
-          <a:prstGeom prst="rect">
-            <a:avLst/>
-          </a:prstGeom>
-          <a:noFill/>
-          <a:ln>
-            <a:noFill/>
-          </a:ln>
-        </p:spPr>
-        <p:txBody>
-          <a:bodyPr wrap="square" lIns="95075" tIns="47525" rIns="95075" bIns="47525" anchor="ctr" anchorCtr="0">
-            <a:noAutofit/>
-          </a:bodyPr>
-          <a:lstStyle/>
-          <a:p>
-            <a:pPr marL="0" marR="0" lvl="0" indent="0" algn="l" rtl="0">
-              <a:spcBef>
-                <a:spcPts val="0"/>
-              </a:spcBef>
-              <a:buClr>
-                <a:schemeClr val="accent1"/>
-              </a:buClr>
-              <a:buSzPct val="25000"/>
-              <a:buFont typeface="Arial"/>
-              <a:buNone/>
-            </a:pPr>
-            <a:r>
-              <a:rPr lang="en-US" sz="2800" b="1" i="0" u="none" strike="noStrike" cap="none" dirty="0" smtClean="0">
-                <a:solidFill>
-                  <a:schemeClr val="accent1"/>
-                </a:solidFill>
-                <a:latin typeface="Arial"/>
-                <a:ea typeface="Arial"/>
-                <a:cs typeface="Arial"/>
-                <a:sym typeface="Arial"/>
-              </a:rPr>
-              <a:t>View logs for completed applications</a:t>
-            </a:r>
-            <a:endParaRPr lang="en-US" sz="2800" b="1" i="0" u="none" strike="noStrike" cap="none" dirty="0">
-              <a:solidFill>
-                <a:schemeClr val="accent1"/>
-              </a:solidFill>
-              <a:latin typeface="Arial"/>
-              <a:ea typeface="Arial"/>
-              <a:cs typeface="Arial"/>
-              <a:sym typeface="Arial"/>
-            </a:endParaRPr>
-          </a:p>
-        </p:txBody>
-      </p:sp>
-      <p:sp>
-        <p:nvSpPr>
-          <p:cNvPr id="599" name="Shape 599"/>
-          <p:cNvSpPr txBox="1">
-            <a:spLocks noGrp="1"/>
-          </p:cNvSpPr>
-          <p:nvPr>
-            <p:ph type="body" idx="1"/>
-          </p:nvPr>
-        </p:nvSpPr>
-        <p:spPr>
-          <a:xfrm>
-            <a:off x="304800" y="907864"/>
-            <a:ext cx="8407468" cy="481665"/>
-          </a:xfrm>
-          <a:prstGeom prst="rect">
-            <a:avLst/>
-          </a:prstGeom>
-          <a:noFill/>
-          <a:ln>
-            <a:noFill/>
-          </a:ln>
-        </p:spPr>
-        <p:txBody>
-          <a:bodyPr wrap="square" lIns="95075" tIns="47525" rIns="95075" bIns="47525" anchor="t" anchorCtr="0">
-            <a:noAutofit/>
-          </a:bodyPr>
-          <a:lstStyle/>
-          <a:p>
-            <a:pPr marL="152400" indent="0">
-              <a:buNone/>
-            </a:pPr>
-            <a:r>
-              <a:rPr lang="en-US" sz="2000" dirty="0"/>
-              <a:t>Determine the application ID for the application that you want to view the logs for. For example, run the following command to list the applications</a:t>
-            </a:r>
-            <a:r>
-              <a:rPr lang="en-US" sz="2000" dirty="0" smtClean="0"/>
-              <a:t>:</a:t>
-            </a:r>
-            <a:endParaRPr sz="2000" b="0" i="0" u="none" strike="noStrike" cap="none" dirty="0">
-              <a:solidFill>
-                <a:srgbClr val="000000"/>
-              </a:solidFill>
-              <a:sym typeface="Arial"/>
-            </a:endParaRPr>
-          </a:p>
-        </p:txBody>
-      </p:sp>
-      <p:sp>
-        <p:nvSpPr>
-          <p:cNvPr id="2" name="TextBox 1"/>
-          <p:cNvSpPr txBox="1"/>
-          <p:nvPr/>
-        </p:nvSpPr>
-        <p:spPr>
-          <a:xfrm>
-            <a:off x="550480" y="2024845"/>
-            <a:ext cx="6364941" cy="307777"/>
-          </a:xfrm>
-          <a:prstGeom prst="rect">
-            <a:avLst/>
-          </a:prstGeom>
-          <a:solidFill>
-            <a:schemeClr val="bg1">
-              <a:lumMod val="95000"/>
-            </a:schemeClr>
-          </a:solidFill>
-        </p:spPr>
-        <p:txBody>
-          <a:bodyPr wrap="square" rtlCol="0">
-            <a:spAutoFit/>
-          </a:bodyPr>
-          <a:lstStyle/>
-          <a:p>
-            <a:r>
-              <a:rPr lang="en-US" dirty="0" smtClean="0"/>
-              <a:t>$ </a:t>
-            </a:r>
-            <a:r>
-              <a:rPr lang="en-US" dirty="0"/>
-              <a:t>yarn application </a:t>
-            </a:r>
-            <a:r>
-              <a:rPr lang="en-US"/>
-              <a:t>-</a:t>
-            </a:r>
-            <a:r>
-              <a:rPr lang="en-US" smtClean="0"/>
-              <a:t>list</a:t>
-            </a:r>
-            <a:endParaRPr lang="en-US" dirty="0"/>
-          </a:p>
-        </p:txBody>
-      </p:sp>
-      <p:sp>
-        <p:nvSpPr>
-          <p:cNvPr id="5" name="Shape 599"/>
-          <p:cNvSpPr txBox="1">
-            <a:spLocks noGrp="1"/>
-          </p:cNvSpPr>
-          <p:nvPr>
-            <p:ph type="body" idx="1"/>
-          </p:nvPr>
-        </p:nvSpPr>
-        <p:spPr>
-          <a:xfrm>
-            <a:off x="304800" y="2476094"/>
-            <a:ext cx="8407468" cy="983688"/>
-          </a:xfrm>
-          <a:prstGeom prst="rect">
-            <a:avLst/>
-          </a:prstGeom>
-          <a:noFill/>
-          <a:ln>
-            <a:noFill/>
-          </a:ln>
-        </p:spPr>
-        <p:txBody>
-          <a:bodyPr wrap="square" lIns="95075" tIns="47525" rIns="95075" bIns="47525" anchor="t" anchorCtr="0">
-            <a:noAutofit/>
-          </a:bodyPr>
-          <a:lstStyle/>
-          <a:p>
-            <a:pPr marL="152400" indent="0">
-              <a:buNone/>
-            </a:pPr>
-            <a:r>
-              <a:rPr lang="en-US" sz="2000" dirty="0"/>
-              <a:t>Run the yarn logs command to view the logs for the application. For example, run the following command to view the log files for application application_1415822090718 </a:t>
-            </a:r>
-            <a:endParaRPr sz="2000" b="0" i="0" u="none" strike="noStrike" cap="none" dirty="0">
-              <a:solidFill>
-                <a:srgbClr val="000000"/>
-              </a:solidFill>
-              <a:sym typeface="Arial"/>
-            </a:endParaRPr>
-          </a:p>
-        </p:txBody>
-      </p:sp>
-      <p:sp>
-        <p:nvSpPr>
-          <p:cNvPr id="6" name="TextBox 5"/>
-          <p:cNvSpPr txBox="1"/>
-          <p:nvPr/>
-        </p:nvSpPr>
-        <p:spPr>
-          <a:xfrm>
-            <a:off x="550480" y="3594599"/>
-            <a:ext cx="6364941" cy="307777"/>
-          </a:xfrm>
-          <a:prstGeom prst="rect">
-            <a:avLst/>
-          </a:prstGeom>
-          <a:solidFill>
-            <a:schemeClr val="bg1">
-              <a:lumMod val="95000"/>
-            </a:schemeClr>
-          </a:solidFill>
-        </p:spPr>
-        <p:txBody>
-          <a:bodyPr wrap="square" rtlCol="0">
-            <a:spAutoFit/>
-          </a:bodyPr>
-          <a:lstStyle/>
-          <a:p>
-            <a:r>
-              <a:rPr lang="en-US" dirty="0" smtClean="0"/>
-              <a:t>$ </a:t>
-            </a:r>
-            <a:r>
-              <a:rPr lang="en-US" dirty="0"/>
-              <a:t>yarn logs -</a:t>
-            </a:r>
-            <a:r>
-              <a:rPr lang="en-US" dirty="0" err="1"/>
-              <a:t>applicationId</a:t>
-            </a:r>
-            <a:r>
-              <a:rPr lang="en-US" dirty="0"/>
-              <a:t> </a:t>
-            </a:r>
-            <a:r>
-              <a:rPr lang="en-US" dirty="0" smtClean="0"/>
-              <a:t>application_1415822090718</a:t>
-            </a:r>
-            <a:endParaRPr lang="en-US" dirty="0"/>
-          </a:p>
-        </p:txBody>
-      </p:sp>
-    </p:spTree>
-    <p:extLst>
-      <p:ext uri="{BB962C8B-B14F-4D97-AF65-F5344CB8AC3E}">
-        <p14:creationId xmlns:p14="http://schemas.microsoft.com/office/powerpoint/2010/main" val="343956338"/>
-      </p:ext>
-    </p:extLst>
-  </p:cSld>
-  <p:clrMapOvr>
-    <a:masterClrMapping/>
-  </p:clrMapOvr>
-</p:sld>
-</file>
-
 <file path=ppt/slides/slide27.xml><?xml version="1.0" encoding="utf-8"?>
 <p:sld xmlns:a="http://schemas.openxmlformats.org/drawingml/2006/main" xmlns:r="http://schemas.openxmlformats.org/officeDocument/2006/relationships" xmlns:p="http://schemas.openxmlformats.org/presentationml/2006/main">
   <p:cSld>
@@ -25168,7 +25350,7 @@
               <a:buNone/>
             </a:pPr>
             <a:r>
-              <a:rPr lang="en-US" sz="2000">
+              <a:rPr lang="en-US" sz="2000" dirty="0">
                 <a:solidFill>
                   <a:srgbClr val="000000"/>
                 </a:solidFill>
@@ -25177,20 +25359,93 @@
                 <a:cs typeface="Arial"/>
                 <a:sym typeface="Arial"/>
               </a:rPr>
-              <a:t>In short, we use them to help identify any issues with the operating system, hardware or network.  It also helps us document the “state” of the cluster before we ever even start a production use case or POC.</a:t>
-            </a:r>
-          </a:p>
-          <a:p>
-            <a:pPr marL="0" marR="0" lvl="0" indent="0" algn="l" rtl="0">
-              <a:spcBef>
-                <a:spcPts val="600"/>
-              </a:spcBef>
-              <a:spcAft>
-                <a:spcPts val="0"/>
-              </a:spcAft>
-              <a:buNone/>
-            </a:pPr>
-            <a:endParaRPr sz="2000">
+              <a:t>In short, </a:t>
+            </a:r>
+            <a:r>
+              <a:rPr lang="en-US" sz="2000" dirty="0" smtClean="0">
+                <a:solidFill>
+                  <a:srgbClr val="000000"/>
+                </a:solidFill>
+                <a:latin typeface="Arial"/>
+                <a:ea typeface="Arial"/>
+                <a:cs typeface="Arial"/>
+                <a:sym typeface="Arial"/>
+              </a:rPr>
+              <a:t>you can use </a:t>
+            </a:r>
+            <a:r>
+              <a:rPr lang="en-US" sz="2000" dirty="0">
+                <a:solidFill>
+                  <a:srgbClr val="000000"/>
+                </a:solidFill>
+                <a:latin typeface="Arial"/>
+                <a:ea typeface="Arial"/>
+                <a:cs typeface="Arial"/>
+                <a:sym typeface="Arial"/>
+              </a:rPr>
+              <a:t>them to help identify any issues with the operating system, hardware or network. </a:t>
+            </a:r>
+            <a:r>
+              <a:rPr lang="en-US" sz="2000" dirty="0" smtClean="0">
+                <a:solidFill>
+                  <a:srgbClr val="000000"/>
+                </a:solidFill>
+                <a:latin typeface="Arial"/>
+                <a:ea typeface="Arial"/>
+                <a:cs typeface="Arial"/>
+                <a:sym typeface="Arial"/>
+              </a:rPr>
+              <a:t>It </a:t>
+            </a:r>
+            <a:r>
+              <a:rPr lang="en-US" sz="2000" dirty="0">
+                <a:solidFill>
+                  <a:srgbClr val="000000"/>
+                </a:solidFill>
+                <a:latin typeface="Arial"/>
+                <a:ea typeface="Arial"/>
+                <a:cs typeface="Arial"/>
+                <a:sym typeface="Arial"/>
+              </a:rPr>
+              <a:t>also helps </a:t>
+            </a:r>
+            <a:r>
+              <a:rPr lang="en-US" sz="2000" dirty="0" smtClean="0">
+                <a:solidFill>
+                  <a:srgbClr val="000000"/>
+                </a:solidFill>
+                <a:latin typeface="Arial"/>
+                <a:ea typeface="Arial"/>
+                <a:cs typeface="Arial"/>
+                <a:sym typeface="Arial"/>
+              </a:rPr>
+              <a:t>to document </a:t>
+            </a:r>
+            <a:r>
+              <a:rPr lang="en-US" sz="2000" dirty="0">
+                <a:solidFill>
+                  <a:srgbClr val="000000"/>
+                </a:solidFill>
+                <a:latin typeface="Arial"/>
+                <a:ea typeface="Arial"/>
+                <a:cs typeface="Arial"/>
+                <a:sym typeface="Arial"/>
+              </a:rPr>
+              <a:t>the “state” of the cluster before </a:t>
+            </a:r>
+            <a:r>
+              <a:rPr lang="en-US" sz="2000" dirty="0" smtClean="0">
+                <a:solidFill>
+                  <a:srgbClr val="000000"/>
+                </a:solidFill>
+                <a:latin typeface="Arial"/>
+                <a:ea typeface="Arial"/>
+                <a:cs typeface="Arial"/>
+                <a:sym typeface="Arial"/>
+              </a:rPr>
+              <a:t>you start an installation.</a:t>
+            </a:r>
+            <a:endParaRPr lang="en-US" sz="2000" dirty="0">
               <a:solidFill>
                 <a:srgbClr val="000000"/>
               </a:solidFill>
@@ -25208,32 +25463,100 @@
               <a:spcAft>
                 <a:spcPts val="0"/>
               </a:spcAft>
-              <a:buSzPct val="25000"/>
               <a:buNone/>
             </a:pPr>
-            <a:r>
-              <a:rPr lang="en-US" sz="2000">
-                <a:solidFill>
-                  <a:srgbClr val="000000"/>
-                </a:solidFill>
-                <a:latin typeface="Arial"/>
-                <a:ea typeface="Arial"/>
-                <a:cs typeface="Arial"/>
-                <a:sym typeface="Arial"/>
-              </a:rPr>
-              <a:t>Suppose you’re doing a POC and skip cluster validation, perhaps because you feel pressed for time. What if a disk is slow, unbeknownst to you? That slow disk will negatively affect your application-level test results, but you won’t know it, because you didn’t take a baseline measurement of disk performance. Plus, once you have data loaded, you can’t really do a disk write test, because that destroys data.</a:t>
-            </a:r>
+            <a:endParaRPr sz="2000" dirty="0">
+              <a:solidFill>
+                <a:srgbClr val="000000"/>
+              </a:solidFill>
+              <a:latin typeface="Arial"/>
+              <a:ea typeface="Arial"/>
+              <a:cs typeface="Arial"/>
+              <a:sym typeface="Arial"/>
+            </a:endParaRPr>
           </a:p>
           <a:p>
             <a:pPr marL="0" marR="0" lvl="0" indent="0" algn="l" rtl="0">
               <a:spcBef>
                 <a:spcPts val="600"/>
               </a:spcBef>
+              <a:spcAft>
+                <a:spcPts val="0"/>
+              </a:spcAft>
               <a:buSzPct val="25000"/>
               <a:buNone/>
             </a:pPr>
             <a:r>
-              <a:rPr lang="en-US" sz="2000">
+              <a:rPr lang="en-US" sz="2000" dirty="0">
+                <a:solidFill>
+                  <a:srgbClr val="000000"/>
+                </a:solidFill>
+                <a:latin typeface="Arial"/>
+                <a:ea typeface="Arial"/>
+                <a:cs typeface="Arial"/>
+                <a:sym typeface="Arial"/>
+              </a:rPr>
+              <a:t>Suppose you’re doing </a:t>
+            </a:r>
+            <a:r>
+              <a:rPr lang="en-US" sz="2000" dirty="0" smtClean="0">
+                <a:solidFill>
+                  <a:srgbClr val="000000"/>
+                </a:solidFill>
+                <a:latin typeface="Arial"/>
+                <a:ea typeface="Arial"/>
+                <a:cs typeface="Arial"/>
+                <a:sym typeface="Arial"/>
+              </a:rPr>
+              <a:t>an installation and </a:t>
+            </a:r>
+            <a:r>
+              <a:rPr lang="en-US" sz="2000" dirty="0">
+                <a:solidFill>
+                  <a:srgbClr val="000000"/>
+                </a:solidFill>
+                <a:latin typeface="Arial"/>
+                <a:ea typeface="Arial"/>
+                <a:cs typeface="Arial"/>
+                <a:sym typeface="Arial"/>
+              </a:rPr>
+              <a:t>skip cluster validation, perhaps because you feel pressed for time. What if a disk is slow, unbeknownst to you? That slow disk will negatively affect your application-level test results, but you won’t know it, because you didn’t take a baseline measurement of disk performance. </a:t>
+            </a:r>
+            <a:r>
+              <a:rPr lang="en-US" sz="2000" dirty="0" smtClean="0">
+                <a:solidFill>
+                  <a:srgbClr val="000000"/>
+                </a:solidFill>
+                <a:latin typeface="Arial"/>
+                <a:ea typeface="Arial"/>
+                <a:cs typeface="Arial"/>
+                <a:sym typeface="Arial"/>
+              </a:rPr>
+              <a:t>Once you </a:t>
+            </a:r>
+            <a:r>
+              <a:rPr lang="en-US" sz="2000" dirty="0">
+                <a:solidFill>
+                  <a:srgbClr val="000000"/>
+                </a:solidFill>
+                <a:latin typeface="Arial"/>
+                <a:ea typeface="Arial"/>
+                <a:cs typeface="Arial"/>
+                <a:sym typeface="Arial"/>
+              </a:rPr>
+              <a:t>have data loaded, you can’t really do a disk write test, because that destroys data.</a:t>
+            </a:r>
+          </a:p>
+          <a:p>
+            <a:pPr marL="0" marR="0" lvl="0" indent="0" algn="l" rtl="0">
+              <a:spcBef>
+                <a:spcPts val="600"/>
+              </a:spcBef>
+              <a:buSzPct val="25000"/>
+              <a:buNone/>
+            </a:pPr>
+            <a:r>
+              <a:rPr lang="en-US" sz="2000" dirty="0">
                 <a:solidFill>
                   <a:srgbClr val="000000"/>
                 </a:solidFill>
@@ -25245,7 +25568,7 @@
               <a:t/>
             </a:r>
             <a:br>
-              <a:rPr lang="en-US" sz="2000">
+              <a:rPr lang="en-US" sz="2000" dirty="0">
                 <a:solidFill>
                   <a:srgbClr val="000000"/>
                 </a:solidFill>
@@ -25256,7 +25579,7 @@
               </a:rPr>
             </a:br>
             <a:r>
-              <a:rPr lang="en-US" sz="1900">
+              <a:rPr lang="en-US" sz="1900" dirty="0">
                 <a:solidFill>
                   <a:schemeClr val="dk1"/>
                 </a:solidFill>
@@ -25268,7 +25591,7 @@
               <a:t/>
             </a:r>
             <a:br>
-              <a:rPr lang="en-US" sz="1900">
+              <a:rPr lang="en-US" sz="1900" dirty="0">
                 <a:solidFill>
                   <a:schemeClr val="dk1"/>
                 </a:solidFill>
@@ -25278,7 +25601,7 @@
                 <a:sym typeface="Arial"/>
               </a:rPr>
             </a:br>
-            <a:endParaRPr lang="en-US" sz="1900">
+            <a:endParaRPr lang="en-US" sz="1900" dirty="0">
               <a:solidFill>
                 <a:schemeClr val="dk1"/>
               </a:solidFill>
@@ -25356,7 +25679,7 @@
               <a:buNone/>
             </a:pPr>
             <a:r>
-              <a:rPr lang="en-US" sz="2250" b="1" i="0" u="none" strike="noStrike" cap="none">
+              <a:rPr lang="en-US" sz="2250" b="1" i="0" u="none" strike="noStrike" cap="none" dirty="0">
                 <a:solidFill>
                   <a:schemeClr val="accent1"/>
                 </a:solidFill>
@@ -25365,7 +25688,31 @@
                 <a:cs typeface="Arial"/>
                 <a:sym typeface="Arial"/>
               </a:rPr>
-              <a:t>Cluster validation scripts – When should we use them?</a:t>
+              <a:t>Cluster validation scripts – When should </a:t>
+            </a:r>
+            <a:r>
+              <a:rPr lang="en-US" sz="2250" b="1" i="0" u="none" strike="noStrike" cap="none" dirty="0" smtClean="0">
+                <a:solidFill>
+                  <a:schemeClr val="accent1"/>
+                </a:solidFill>
+                <a:latin typeface="Arial"/>
+                <a:ea typeface="Arial"/>
+                <a:cs typeface="Arial"/>
+                <a:sym typeface="Arial"/>
+              </a:rPr>
+              <a:t>you use </a:t>
+            </a:r>
+            <a:r>
+              <a:rPr lang="en-US" sz="2250" b="1" i="0" u="none" strike="noStrike" cap="none" dirty="0">
+                <a:solidFill>
+                  <a:schemeClr val="accent1"/>
+                </a:solidFill>
+                <a:latin typeface="Arial"/>
+                <a:ea typeface="Arial"/>
+                <a:cs typeface="Arial"/>
+                <a:sym typeface="Arial"/>
+              </a:rPr>
+              <a:t>them?</a:t>
             </a:r>
           </a:p>
         </p:txBody>
@@ -25426,10 +25773,10 @@
                 <a:cs typeface="Arial"/>
                 <a:sym typeface="Arial"/>
               </a:rPr>
-              <a:t>Cluster validation should be done at the beginning of every POC, as part of every installation of a customer cluster, and before any performance testing even if it’s only internal to </a:t>
-            </a:r>
-            <a:r>
-              <a:rPr lang="en-US" sz="2035" b="0" i="0" u="none" strike="noStrike" cap="none" dirty="0" err="1">
+              <a:t>Cluster validation should be done at the beginning of every </a:t>
+            </a:r>
+            <a:r>
+              <a:rPr lang="en-US" sz="2035" b="0" i="0" u="none" strike="noStrike" cap="none" dirty="0" err="1" smtClean="0">
                 <a:solidFill>
                   <a:srgbClr val="000000"/>
                 </a:solidFill>
@@ -25438,7 +25785,7 @@
                 <a:cs typeface="Arial"/>
                 <a:sym typeface="Arial"/>
               </a:rPr>
-              <a:t>MapR</a:t>
+              <a:t>PoC</a:t>
             </a:r>
             <a:r>
               <a:rPr lang="en-US" sz="2035" b="0" i="0" u="none" strike="noStrike" cap="none" dirty="0">
@@ -25450,8 +25797,53 @@
                 <a:cs typeface="Arial"/>
                 <a:sym typeface="Arial"/>
               </a:rPr>
-              <a:t>.</a:t>
-            </a:r>
+              <a:t>, as part of every installation of a </a:t>
+            </a:r>
+            <a:r>
+              <a:rPr lang="en-US" sz="2035" b="0" i="0" u="none" strike="noStrike" cap="none" dirty="0" smtClean="0">
+                <a:solidFill>
+                  <a:srgbClr val="000000"/>
+                </a:solidFill>
+                <a:latin typeface="Arial"/>
+                <a:ea typeface="Arial"/>
+                <a:cs typeface="Arial"/>
+                <a:sym typeface="Arial"/>
+              </a:rPr>
+              <a:t>cluster</a:t>
+            </a:r>
+            <a:r>
+              <a:rPr lang="en-US" sz="2035" b="0" i="0" u="none" strike="noStrike" cap="none" dirty="0">
+                <a:solidFill>
+                  <a:srgbClr val="000000"/>
+                </a:solidFill>
+                <a:latin typeface="Arial"/>
+                <a:ea typeface="Arial"/>
+                <a:cs typeface="Arial"/>
+                <a:sym typeface="Arial"/>
+              </a:rPr>
+              <a:t>, and before any performance </a:t>
+            </a:r>
+            <a:r>
+              <a:rPr lang="en-US" sz="2035" b="0" i="0" u="none" strike="noStrike" cap="none" dirty="0" smtClean="0">
+                <a:solidFill>
+                  <a:srgbClr val="000000"/>
+                </a:solidFill>
+                <a:latin typeface="Arial"/>
+                <a:ea typeface="Arial"/>
+                <a:cs typeface="Arial"/>
+                <a:sym typeface="Arial"/>
+              </a:rPr>
+              <a:t>testing.</a:t>
+            </a:r>
+            <a:endParaRPr lang="en-US" sz="2035" b="0" i="0" u="none" strike="noStrike" cap="none" dirty="0">
+              <a:solidFill>
+                <a:srgbClr val="000000"/>
+              </a:solidFill>
+              <a:latin typeface="Arial"/>
+              <a:ea typeface="Arial"/>
+              <a:cs typeface="Arial"/>
+              <a:sym typeface="Arial"/>
+            </a:endParaRPr>
           </a:p>
           <a:p>
             <a:pPr marL="228600" marR="0" lvl="0" indent="-215900" algn="l" rtl="0">
@@ -26184,7 +26576,7 @@
               <a:buChar char="•"/>
             </a:pPr>
             <a:r>
-              <a:rPr lang="en-US" sz="2200" b="0" i="0" u="none" strike="noStrike" cap="none">
+              <a:rPr lang="en-US" sz="2200" b="0" i="0" u="none" strike="noStrike" cap="none" dirty="0">
                 <a:solidFill>
                   <a:srgbClr val="000000"/>
                 </a:solidFill>
@@ -26193,7 +26585,103 @@
                 <a:cs typeface="Arial"/>
                 <a:sym typeface="Arial"/>
               </a:rPr>
-              <a:t>Background: cluster-audit.sh is designed for physical servers. Virtual Instances in cloud environments (eg Amazon, Google, or OpenStack) may generate confusing responses to some specific commands (eg dmidecode). In most cases, these anomalies are irrelevant.</a:t>
+              <a:t>Background: cluster-</a:t>
+            </a:r>
+            <a:r>
+              <a:rPr lang="en-US" sz="2200" b="0" i="0" u="none" strike="noStrike" cap="none" dirty="0" err="1">
+                <a:solidFill>
+                  <a:srgbClr val="000000"/>
+                </a:solidFill>
+                <a:latin typeface="Arial"/>
+                <a:ea typeface="Arial"/>
+                <a:cs typeface="Arial"/>
+                <a:sym typeface="Arial"/>
+              </a:rPr>
+              <a:t>audit.sh</a:t>
+            </a:r>
+            <a:r>
+              <a:rPr lang="en-US" sz="2200" b="0" i="0" u="none" strike="noStrike" cap="none" dirty="0">
+                <a:solidFill>
+                  <a:srgbClr val="000000"/>
+                </a:solidFill>
+                <a:latin typeface="Arial"/>
+                <a:ea typeface="Arial"/>
+                <a:cs typeface="Arial"/>
+                <a:sym typeface="Arial"/>
+              </a:rPr>
+              <a:t> is designed for physical servers. Virtual Instances in cloud environments (</a:t>
+            </a:r>
+            <a:r>
+              <a:rPr lang="en-US" sz="2200" b="0" i="0" u="none" strike="noStrike" cap="none" dirty="0" smtClean="0">
+                <a:solidFill>
+                  <a:srgbClr val="000000"/>
+                </a:solidFill>
+                <a:latin typeface="Arial"/>
+                <a:ea typeface="Arial"/>
+                <a:cs typeface="Arial"/>
+                <a:sym typeface="Arial"/>
+              </a:rPr>
+              <a:t>e.g. </a:t>
+            </a:r>
+            <a:r>
+              <a:rPr lang="en-US" sz="2200" b="0" i="0" u="none" strike="noStrike" cap="none" dirty="0">
+                <a:solidFill>
+                  <a:srgbClr val="000000"/>
+                </a:solidFill>
+                <a:latin typeface="Arial"/>
+                <a:ea typeface="Arial"/>
+                <a:cs typeface="Arial"/>
+                <a:sym typeface="Arial"/>
+              </a:rPr>
+              <a:t>Amazon, Google, or OpenStack) may generate confusing responses to some specific commands (</a:t>
+            </a:r>
+            <a:r>
+              <a:rPr lang="en-US" sz="2200" b="0" i="0" u="none" strike="noStrike" cap="none" dirty="0" err="1">
+                <a:solidFill>
+                  <a:srgbClr val="000000"/>
+                </a:solidFill>
+                <a:latin typeface="Arial"/>
+                <a:ea typeface="Arial"/>
+                <a:cs typeface="Arial"/>
+                <a:sym typeface="Arial"/>
+              </a:rPr>
+              <a:t>eg</a:t>
+            </a:r>
+            <a:r>
+              <a:rPr lang="en-US" sz="2200" b="0" i="0" u="none" strike="noStrike" cap="none" dirty="0">
+                <a:solidFill>
+                  <a:srgbClr val="000000"/>
+                </a:solidFill>
+                <a:latin typeface="Arial"/>
+                <a:ea typeface="Arial"/>
+                <a:cs typeface="Arial"/>
+                <a:sym typeface="Arial"/>
+              </a:rPr>
+              <a:t> </a:t>
+            </a:r>
+            <a:r>
+              <a:rPr lang="en-US" sz="2200" b="0" i="0" u="none" strike="noStrike" cap="none" dirty="0" err="1">
+                <a:solidFill>
+                  <a:srgbClr val="000000"/>
+                </a:solidFill>
+                <a:latin typeface="Arial"/>
+                <a:ea typeface="Arial"/>
+                <a:cs typeface="Arial"/>
+                <a:sym typeface="Arial"/>
+              </a:rPr>
+              <a:t>dmidecode</a:t>
+            </a:r>
+            <a:r>
+              <a:rPr lang="en-US" sz="2200" b="0" i="0" u="none" strike="noStrike" cap="none" dirty="0">
+                <a:solidFill>
+                  <a:srgbClr val="000000"/>
+                </a:solidFill>
+                <a:latin typeface="Arial"/>
+                <a:ea typeface="Arial"/>
+                <a:cs typeface="Arial"/>
+                <a:sym typeface="Arial"/>
+              </a:rPr>
+              <a:t>). In most cases, these anomalies are irrelevant.</a:t>
             </a:r>
           </a:p>
           <a:p>
@@ -26212,7 +26700,7 @@
               <a:buChar char="•"/>
             </a:pPr>
             <a:r>
-              <a:rPr lang="en-US" sz="2200" b="0" i="0" u="none" strike="noStrike" cap="none">
+              <a:rPr lang="en-US" sz="2200" b="0" i="0" u="none" strike="noStrike" cap="none" dirty="0">
                 <a:solidFill>
                   <a:srgbClr val="000000"/>
                 </a:solidFill>
@@ -26240,7 +26728,7 @@
               <a:buChar char="•"/>
             </a:pPr>
             <a:r>
-              <a:rPr lang="en-US" sz="2200" b="0" i="0" u="none" strike="noStrike" cap="none">
+              <a:rPr lang="en-US" sz="2200" b="0" i="0" u="none" strike="noStrike" cap="none" dirty="0">
                 <a:solidFill>
                   <a:srgbClr val="000000"/>
                 </a:solidFill>
@@ -26267,7 +26755,7 @@
               <a:buFont typeface="Arial"/>
               <a:buNone/>
             </a:pPr>
-            <a:endParaRPr sz="2200" b="0" i="0" u="none" strike="noStrike" cap="none">
+            <a:endParaRPr sz="2200" b="0" i="0" u="none" strike="noStrike" cap="none" dirty="0">
               <a:solidFill>
                 <a:srgbClr val="000000"/>
               </a:solidFill>
@@ -26289,7 +26777,7 @@
               <a:buFont typeface="Arial"/>
               <a:buNone/>
             </a:pPr>
-            <a:endParaRPr sz="2200" b="0" i="0" u="none" strike="noStrike" cap="none">
+            <a:endParaRPr sz="2200" b="0" i="0" u="none" strike="noStrike" cap="none" dirty="0">
               <a:solidFill>
                 <a:srgbClr val="000000"/>
               </a:solidFill>
